--- a/Correlation-and-Regression/Correlation and Regression.pptx
+++ b/Correlation-and-Regression/Correlation and Regression.pptx
@@ -299,7 +299,7 @@
             <a:fld id="{B61BEF0D-F0BB-DE4B-95CE-6DB70DBA9567}" type="datetimeFigureOut">
               <a:rPr lang="en-US" smtClean="0"/>
               <a:pPr/>
-              <a:t>3/14/2019</a:t>
+              <a:t>3/18/2019</a:t>
             </a:fld>
             <a:endParaRPr lang="en-US" dirty="0"/>
           </a:p>
@@ -631,7 +631,7 @@
             <a:fld id="{B61BEF0D-F0BB-DE4B-95CE-6DB70DBA9567}" type="datetimeFigureOut">
               <a:rPr lang="en-US" smtClean="0"/>
               <a:pPr/>
-              <a:t>3/14/2019</a:t>
+              <a:t>3/18/2019</a:t>
             </a:fld>
             <a:endParaRPr lang="en-US" dirty="0"/>
           </a:p>
@@ -813,7 +813,7 @@
             <a:fld id="{B61BEF0D-F0BB-DE4B-95CE-6DB70DBA9567}" type="datetimeFigureOut">
               <a:rPr lang="en-US" smtClean="0"/>
               <a:pPr/>
-              <a:t>3/14/2019</a:t>
+              <a:t>3/18/2019</a:t>
             </a:fld>
             <a:endParaRPr lang="en-US" dirty="0"/>
           </a:p>
@@ -985,7 +985,7 @@
             <a:fld id="{B61BEF0D-F0BB-DE4B-95CE-6DB70DBA9567}" type="datetimeFigureOut">
               <a:rPr lang="en-US" smtClean="0"/>
               <a:pPr/>
-              <a:t>3/14/2019</a:t>
+              <a:t>3/18/2019</a:t>
             </a:fld>
             <a:endParaRPr lang="en-US" dirty="0"/>
           </a:p>
@@ -1264,7 +1264,7 @@
             <a:fld id="{B61BEF0D-F0BB-DE4B-95CE-6DB70DBA9567}" type="datetimeFigureOut">
               <a:rPr lang="en-US" smtClean="0"/>
               <a:pPr/>
-              <a:t>3/14/2019</a:t>
+              <a:t>3/18/2019</a:t>
             </a:fld>
             <a:endParaRPr lang="en-US" dirty="0"/>
           </a:p>
@@ -1660,7 +1660,7 @@
             <a:fld id="{B61BEF0D-F0BB-DE4B-95CE-6DB70DBA9567}" type="datetimeFigureOut">
               <a:rPr lang="en-US" smtClean="0"/>
               <a:pPr/>
-              <a:t>3/14/2019</a:t>
+              <a:t>3/18/2019</a:t>
             </a:fld>
             <a:endParaRPr lang="en-US" dirty="0"/>
           </a:p>
@@ -2139,7 +2139,7 @@
             <a:fld id="{B61BEF0D-F0BB-DE4B-95CE-6DB70DBA9567}" type="datetimeFigureOut">
               <a:rPr lang="en-US" smtClean="0"/>
               <a:pPr/>
-              <a:t>3/14/2019</a:t>
+              <a:t>3/18/2019</a:t>
             </a:fld>
             <a:endParaRPr lang="en-US" dirty="0"/>
           </a:p>
@@ -2259,7 +2259,7 @@
             <a:fld id="{B61BEF0D-F0BB-DE4B-95CE-6DB70DBA9567}" type="datetimeFigureOut">
               <a:rPr lang="en-US" smtClean="0"/>
               <a:pPr/>
-              <a:t>3/14/2019</a:t>
+              <a:t>3/18/2019</a:t>
             </a:fld>
             <a:endParaRPr lang="en-US" dirty="0"/>
           </a:p>
@@ -2356,7 +2356,7 @@
             <a:fld id="{B61BEF0D-F0BB-DE4B-95CE-6DB70DBA9567}" type="datetimeFigureOut">
               <a:rPr lang="en-US" smtClean="0"/>
               <a:pPr/>
-              <a:t>3/14/2019</a:t>
+              <a:t>3/18/2019</a:t>
             </a:fld>
             <a:endParaRPr lang="en-US" dirty="0"/>
           </a:p>
@@ -2704,7 +2704,7 @@
             <a:fld id="{B61BEF0D-F0BB-DE4B-95CE-6DB70DBA9567}" type="datetimeFigureOut">
               <a:rPr lang="en-US" smtClean="0"/>
               <a:pPr/>
-              <a:t>3/14/2019</a:t>
+              <a:t>3/18/2019</a:t>
             </a:fld>
             <a:endParaRPr lang="en-US" dirty="0"/>
           </a:p>
@@ -3094,7 +3094,7 @@
             <a:fld id="{B61BEF0D-F0BB-DE4B-95CE-6DB70DBA9567}" type="datetimeFigureOut">
               <a:rPr lang="en-US" smtClean="0"/>
               <a:pPr/>
-              <a:t>3/14/2019</a:t>
+              <a:t>3/18/2019</a:t>
             </a:fld>
             <a:endParaRPr lang="en-US" dirty="0"/>
           </a:p>
@@ -3374,7 +3374,7 @@
             <a:fld id="{B61BEF0D-F0BB-DE4B-95CE-6DB70DBA9567}" type="datetimeFigureOut">
               <a:rPr lang="en-US" smtClean="0"/>
               <a:pPr/>
-              <a:t>3/14/2019</a:t>
+              <a:t>3/18/2019</a:t>
             </a:fld>
             <a:endParaRPr lang="en-US" dirty="0"/>
           </a:p>
@@ -4190,8 +4190,24 @@
               </a:tabLst>
             </a:pPr>
             <a:r>
+              <a:rPr lang="en-US" sz="1200" smtClean="0"/>
+              <a:t>Output</a:t>
+            </a:r>
+            <a:r>
               <a:rPr lang="en-US" sz="1200" dirty="0"/>
-              <a:t>	Output			response; dependent variable; </a:t>
+              <a:t>	</a:t>
+            </a:r>
+            <a:r>
+              <a:rPr lang="en-US" sz="1200"/>
+              <a:t>	</a:t>
+            </a:r>
+            <a:r>
+              <a:rPr lang="en-US" sz="1200" smtClean="0"/>
+              <a:t>response</a:t>
+            </a:r>
+            <a:r>
+              <a:rPr lang="en-US" sz="1200" dirty="0"/>
+              <a:t>; dependent variable; </a:t>
             </a:r>
             <a:r>
               <a:rPr lang="en-US" sz="1200" b="1" dirty="0"/>
@@ -4207,8 +4223,12 @@
               </a:tabLst>
             </a:pPr>
             <a:r>
+              <a:rPr lang="en-US" sz="1200" smtClean="0"/>
+              <a:t>Input</a:t>
+            </a:r>
+            <a:r>
               <a:rPr lang="en-US" sz="1200" dirty="0"/>
-              <a:t>	Input			something you think might be related to the response; independent variable; explanatory variable; predictor, </a:t>
+              <a:t>			something you think might be related to the response; independent variable; explanatory variable; predictor, </a:t>
             </a:r>
             <a:r>
               <a:rPr lang="en-US" sz="1200" b="1" dirty="0"/>
@@ -4272,8 +4292,8 @@
           </p:nvCxnSpPr>
           <p:spPr>
             <a:xfrm>
-              <a:off x="4842849" y="3950499"/>
-              <a:ext cx="6183739" cy="0"/>
+              <a:off x="4950250" y="3950499"/>
+              <a:ext cx="6076338" cy="0"/>
             </a:xfrm>
             <a:prstGeom prst="line">
               <a:avLst/>
@@ -4303,7 +4323,7 @@
           <p:spPr>
             <a:xfrm>
               <a:off x="1279822" y="3765833"/>
-              <a:ext cx="3563027" cy="369332"/>
+              <a:ext cx="3670428" cy="369332"/>
             </a:xfrm>
             <a:prstGeom prst="rect">
               <a:avLst/>
@@ -4322,7 +4342,31 @@
                     <a:srgbClr val="00B0F0"/>
                   </a:solidFill>
                 </a:rPr>
-                <a:t>Applied R (Scatterplot and Boxplot)</a:t>
+                <a:t>Applied R </a:t>
+              </a:r>
+              <a:r>
+                <a:rPr lang="en-US" b="1">
+                  <a:solidFill>
+                    <a:srgbClr val="00B0F0"/>
+                  </a:solidFill>
+                </a:rPr>
+                <a:t>(</a:t>
+              </a:r>
+              <a:r>
+                <a:rPr lang="en-US" b="1" smtClean="0">
+                  <a:solidFill>
+                    <a:srgbClr val="00B0F0"/>
+                  </a:solidFill>
+                </a:rPr>
+                <a:t>Scatterplots and </a:t>
+              </a:r>
+              <a:r>
+                <a:rPr lang="en-US" b="1" dirty="0">
+                  <a:solidFill>
+                    <a:srgbClr val="00B0F0"/>
+                  </a:solidFill>
+                </a:rPr>
+                <a:t>Boxplot)</a:t>
               </a:r>
             </a:p>
           </p:txBody>
@@ -4336,8 +4380,242 @@
         </p:nvSpPr>
         <p:spPr>
           <a:xfrm>
-            <a:off x="1559859" y="3274566"/>
-            <a:ext cx="5262979" cy="1277273"/>
+            <a:off x="1598280" y="3332500"/>
+            <a:ext cx="5262979" cy="1785104"/>
+          </a:xfrm>
+          <a:prstGeom prst="rect">
+            <a:avLst/>
+          </a:prstGeom>
+          <a:solidFill>
+            <a:schemeClr val="accent2">
+              <a:lumMod val="20000"/>
+              <a:lumOff val="80000"/>
+            </a:schemeClr>
+          </a:solidFill>
+        </p:spPr>
+        <p:txBody>
+          <a:bodyPr wrap="none" rtlCol="0">
+            <a:spAutoFit/>
+          </a:bodyPr>
+          <a:lstStyle/>
+          <a:p>
+            <a:r>
+              <a:rPr lang="en-US" sz="1100" i="1" dirty="0" err="1">
+                <a:latin typeface="Consolas" panose="020B0609020204030204" pitchFamily="49" charset="0"/>
+              </a:rPr>
+              <a:t>ggplot</a:t>
+            </a:r>
+            <a:r>
+              <a:rPr lang="en-US" sz="1100" dirty="0">
+                <a:latin typeface="Consolas" panose="020B0609020204030204" pitchFamily="49" charset="0"/>
+              </a:rPr>
+              <a:t>(data = possum, </a:t>
+            </a:r>
+            <a:r>
+              <a:rPr lang="en-US" sz="1100" dirty="0" err="1">
+                <a:latin typeface="Consolas" panose="020B0609020204030204" pitchFamily="49" charset="0"/>
+              </a:rPr>
+              <a:t>aes</a:t>
+            </a:r>
+            <a:r>
+              <a:rPr lang="en-US" sz="1100" dirty="0">
+                <a:latin typeface="Consolas" panose="020B0609020204030204" pitchFamily="49" charset="0"/>
+              </a:rPr>
+              <a:t>(y = total, x = tail)) +</a:t>
+            </a:r>
+          </a:p>
+          <a:p>
+            <a:r>
+              <a:rPr lang="en-US" sz="1100" i="1" dirty="0">
+                <a:latin typeface="Consolas" panose="020B0609020204030204" pitchFamily="49" charset="0"/>
+              </a:rPr>
+              <a:t>	</a:t>
+            </a:r>
+            <a:r>
+              <a:rPr lang="en-US" sz="1100" i="1" dirty="0" err="1">
+                <a:latin typeface="Consolas" panose="020B0609020204030204" pitchFamily="49" charset="0"/>
+              </a:rPr>
+              <a:t>geom_point</a:t>
+            </a:r>
+            <a:r>
+              <a:rPr lang="en-US" sz="1100" dirty="0">
+                <a:latin typeface="Consolas" panose="020B0609020204030204" pitchFamily="49" charset="0"/>
+              </a:rPr>
+              <a:t>()</a:t>
+            </a:r>
+            <a:r>
+              <a:rPr lang="en-US" sz="1100" i="1" dirty="0">
+                <a:latin typeface="Consolas" panose="020B0609020204030204" pitchFamily="49" charset="0"/>
+              </a:rPr>
+              <a:t> </a:t>
+            </a:r>
+            <a:r>
+              <a:rPr lang="en-US" sz="1100" dirty="0">
+                <a:latin typeface="Consolas" panose="020B0609020204030204" pitchFamily="49" charset="0"/>
+              </a:rPr>
+              <a:t>+</a:t>
+            </a:r>
+          </a:p>
+          <a:p>
+            <a:r>
+              <a:rPr lang="en-US" sz="1100" i="1" dirty="0">
+                <a:latin typeface="Consolas" panose="020B0609020204030204" pitchFamily="49" charset="0"/>
+                <a:sym typeface="Wingdings" panose="05000000000000000000" pitchFamily="2" charset="2"/>
+              </a:rPr>
+              <a:t>	</a:t>
+            </a:r>
+            <a:r>
+              <a:rPr lang="en-US" sz="1100" i="1" dirty="0" err="1">
+                <a:latin typeface="Consolas" panose="020B0609020204030204" pitchFamily="49" charset="0"/>
+                <a:sym typeface="Wingdings" panose="05000000000000000000" pitchFamily="2" charset="2"/>
+              </a:rPr>
+              <a:t>scale_x_continuous</a:t>
+            </a:r>
+            <a:r>
+              <a:rPr lang="en-US" sz="1100" dirty="0">
+                <a:latin typeface="Consolas" panose="020B0609020204030204" pitchFamily="49" charset="0"/>
+                <a:sym typeface="Wingdings" panose="05000000000000000000" pitchFamily="2" charset="2"/>
+              </a:rPr>
+              <a:t>(“Length of Possum Tail (cm)”) +</a:t>
+            </a:r>
+          </a:p>
+          <a:p>
+            <a:r>
+              <a:rPr lang="en-US" sz="1100" i="1" dirty="0">
+                <a:latin typeface="Consolas" panose="020B0609020204030204" pitchFamily="49" charset="0"/>
+                <a:sym typeface="Wingdings" panose="05000000000000000000" pitchFamily="2" charset="2"/>
+              </a:rPr>
+              <a:t>	</a:t>
+            </a:r>
+            <a:r>
+              <a:rPr lang="en-US" sz="1100" i="1" dirty="0" err="1">
+                <a:latin typeface="Consolas" panose="020B0609020204030204" pitchFamily="49" charset="0"/>
+                <a:sym typeface="Wingdings" panose="05000000000000000000" pitchFamily="2" charset="2"/>
+              </a:rPr>
+              <a:t>scale_y_continuous</a:t>
+            </a:r>
+            <a:r>
+              <a:rPr lang="en-US" sz="1100" dirty="0">
+                <a:latin typeface="Consolas" panose="020B0609020204030204" pitchFamily="49" charset="0"/>
+                <a:sym typeface="Wingdings" panose="05000000000000000000" pitchFamily="2" charset="2"/>
+              </a:rPr>
+              <a:t>(“Length of Possum Body (cm)”)</a:t>
+            </a:r>
+          </a:p>
+          <a:p>
+            <a:endParaRPr lang="en-US" sz="1100" smtClean="0">
+              <a:latin typeface="Consolas" panose="020B0609020204030204" pitchFamily="49" charset="0"/>
+              <a:sym typeface="Wingdings" panose="05000000000000000000" pitchFamily="2" charset="2"/>
+            </a:endParaRPr>
+          </a:p>
+          <a:p>
+            <a:r>
+              <a:rPr lang="en-US" sz="1100" i="1">
+                <a:latin typeface="Consolas" panose="020B0609020204030204" pitchFamily="49" charset="0"/>
+              </a:rPr>
+              <a:t>ggplot</a:t>
+            </a:r>
+            <a:r>
+              <a:rPr lang="en-US" sz="1100">
+                <a:latin typeface="Consolas" panose="020B0609020204030204" pitchFamily="49" charset="0"/>
+              </a:rPr>
+              <a:t>(data = bdims, aes(y = wgt, x = hgt, color = factor(sex))) </a:t>
+            </a:r>
+            <a:r>
+              <a:rPr lang="en-US" sz="1100" smtClean="0">
+                <a:latin typeface="Consolas" panose="020B0609020204030204" pitchFamily="49" charset="0"/>
+              </a:rPr>
+              <a:t>+</a:t>
+            </a:r>
+          </a:p>
+          <a:p>
+            <a:r>
+              <a:rPr lang="en-US" sz="1100" i="1">
+                <a:latin typeface="Consolas" panose="020B0609020204030204" pitchFamily="49" charset="0"/>
+              </a:rPr>
+              <a:t>	</a:t>
+            </a:r>
+            <a:r>
+              <a:rPr lang="en-US" sz="1100" i="1" smtClean="0">
+                <a:latin typeface="Consolas" panose="020B0609020204030204" pitchFamily="49" charset="0"/>
+              </a:rPr>
+              <a:t>geom_point</a:t>
+            </a:r>
+            <a:r>
+              <a:rPr lang="en-US" sz="1100" smtClean="0">
+                <a:latin typeface="Consolas" panose="020B0609020204030204" pitchFamily="49" charset="0"/>
+              </a:rPr>
+              <a:t>(alpha = 0.5, position = “jitter”)</a:t>
+            </a:r>
+            <a:endParaRPr lang="en-US" sz="1100">
+              <a:latin typeface="Consolas" panose="020B0609020204030204" pitchFamily="49" charset="0"/>
+              <a:sym typeface="Wingdings" panose="05000000000000000000" pitchFamily="2" charset="2"/>
+            </a:endParaRPr>
+          </a:p>
+          <a:p>
+            <a:endParaRPr lang="en-US" sz="1100" dirty="0">
+              <a:latin typeface="Consolas" panose="020B0609020204030204" pitchFamily="49" charset="0"/>
+              <a:sym typeface="Wingdings" panose="05000000000000000000" pitchFamily="2" charset="2"/>
+            </a:endParaRPr>
+          </a:p>
+          <a:p>
+            <a:r>
+              <a:rPr lang="en-US" sz="1100" i="1" dirty="0" err="1">
+                <a:latin typeface="Consolas" panose="020B0609020204030204" pitchFamily="49" charset="0"/>
+              </a:rPr>
+              <a:t>ggplot</a:t>
+            </a:r>
+            <a:r>
+              <a:rPr lang="en-US" sz="1100" dirty="0">
+                <a:latin typeface="Consolas" panose="020B0609020204030204" pitchFamily="49" charset="0"/>
+              </a:rPr>
+              <a:t>(data = possum, </a:t>
+            </a:r>
+            <a:r>
+              <a:rPr lang="en-US" sz="1100" dirty="0" err="1">
+                <a:latin typeface="Consolas" panose="020B0609020204030204" pitchFamily="49" charset="0"/>
+              </a:rPr>
+              <a:t>aes</a:t>
+            </a:r>
+            <a:r>
+              <a:rPr lang="en-US" sz="1100" dirty="0">
+                <a:latin typeface="Consolas" panose="020B0609020204030204" pitchFamily="49" charset="0"/>
+              </a:rPr>
+              <a:t>(y = total, x = cut(tail, breaks = 5))) +</a:t>
+            </a:r>
+          </a:p>
+          <a:p>
+            <a:r>
+              <a:rPr lang="en-US" sz="1100" i="1" dirty="0">
+                <a:latin typeface="Consolas" panose="020B0609020204030204" pitchFamily="49" charset="0"/>
+              </a:rPr>
+              <a:t>	</a:t>
+            </a:r>
+            <a:r>
+              <a:rPr lang="en-US" sz="1100" i="1" err="1">
+                <a:latin typeface="Consolas" panose="020B0609020204030204" pitchFamily="49" charset="0"/>
+              </a:rPr>
+              <a:t>geom_boxplot</a:t>
+            </a:r>
+            <a:r>
+              <a:rPr lang="en-US" sz="1100" smtClean="0">
+                <a:latin typeface="Consolas" panose="020B0609020204030204" pitchFamily="49" charset="0"/>
+              </a:rPr>
+              <a:t>()</a:t>
+            </a:r>
+          </a:p>
+        </p:txBody>
+      </p:sp>
+      <p:sp>
+        <p:nvSpPr>
+          <p:cNvPr id="10" name="TextBox 9"/>
+          <p:cNvSpPr txBox="1"/>
+          <p:nvPr/>
+        </p:nvSpPr>
+        <p:spPr>
+          <a:xfrm>
+            <a:off x="1371600" y="5361124"/>
+            <a:ext cx="5571366" cy="1277273"/>
           </a:xfrm>
           <a:prstGeom prst="rect">
             <a:avLst/>
@@ -4345,12 +4623,135 @@
           <a:noFill/>
         </p:spPr>
         <p:txBody>
-          <a:bodyPr wrap="none" rtlCol="0">
+          <a:bodyPr wrap="square" rtlCol="0">
             <a:spAutoFit/>
           </a:bodyPr>
           <a:lstStyle/>
           <a:p>
             <a:r>
+              <a:rPr lang="en-US" sz="1200" smtClean="0"/>
+              <a:t>There are four characteristics of bivariate relationships that we want to observe:</a:t>
+            </a:r>
+            <a:endParaRPr lang="en-US" sz="1200" dirty="0"/>
+          </a:p>
+          <a:p>
+            <a:pPr marL="573088" indent="-285750">
+              <a:spcBef>
+                <a:spcPts val="600"/>
+              </a:spcBef>
+              <a:buFont typeface="Wingdings" panose="05000000000000000000" pitchFamily="2" charset="2"/>
+              <a:buChar char="Ø"/>
+              <a:tabLst>
+                <a:tab pos="573088" algn="l"/>
+              </a:tabLst>
+            </a:pPr>
+            <a:r>
+              <a:rPr lang="en-US" sz="1200" smtClean="0"/>
+              <a:t>Form</a:t>
+            </a:r>
+            <a:r>
+              <a:rPr lang="en-US" sz="1200" dirty="0"/>
+              <a:t>	</a:t>
+            </a:r>
+            <a:r>
+              <a:rPr lang="en-US" sz="1200"/>
+              <a:t>	</a:t>
+            </a:r>
+            <a:r>
+              <a:rPr lang="en-US" sz="1200" smtClean="0"/>
+              <a:t>	linear, quadratic, non-linear, etc...</a:t>
+            </a:r>
+            <a:endParaRPr lang="en-US" sz="1200" b="1" dirty="0"/>
+          </a:p>
+          <a:p>
+            <a:pPr marL="573088" indent="-285750">
+              <a:buFont typeface="Wingdings" panose="05000000000000000000" pitchFamily="2" charset="2"/>
+              <a:buChar char="Ø"/>
+              <a:tabLst>
+                <a:tab pos="573088" algn="l"/>
+              </a:tabLst>
+            </a:pPr>
+            <a:r>
+              <a:rPr lang="en-US" sz="1200" smtClean="0"/>
+              <a:t>Direction</a:t>
+            </a:r>
+            <a:r>
+              <a:rPr lang="en-US" sz="1200" dirty="0"/>
+              <a:t>	</a:t>
+            </a:r>
+            <a:r>
+              <a:rPr lang="en-US" sz="1200"/>
+              <a:t>	</a:t>
+            </a:r>
+            <a:r>
+              <a:rPr lang="en-US" sz="1200" smtClean="0"/>
+              <a:t>positive (same direction), negative (opposite direction)</a:t>
+            </a:r>
+          </a:p>
+          <a:p>
+            <a:pPr marL="573088" indent="-285750">
+              <a:buFont typeface="Wingdings" panose="05000000000000000000" pitchFamily="2" charset="2"/>
+              <a:buChar char="Ø"/>
+              <a:tabLst>
+                <a:tab pos="573088" algn="l"/>
+              </a:tabLst>
+            </a:pPr>
+            <a:r>
+              <a:rPr lang="en-US" sz="1200" smtClean="0"/>
+              <a:t>Strength		how much scatter or noise</a:t>
+            </a:r>
+          </a:p>
+          <a:p>
+            <a:pPr marL="573088" indent="-285750">
+              <a:buFont typeface="Wingdings" panose="05000000000000000000" pitchFamily="2" charset="2"/>
+              <a:buChar char="Ø"/>
+              <a:tabLst>
+                <a:tab pos="573088" algn="l"/>
+              </a:tabLst>
+            </a:pPr>
+            <a:r>
+              <a:rPr lang="en-US" sz="1200" smtClean="0"/>
+              <a:t>Outliers		it is important to understand how the relationship</a:t>
+            </a:r>
+            <a:br>
+              <a:rPr lang="en-US" sz="1200" smtClean="0"/>
+            </a:br>
+            <a:r>
+              <a:rPr lang="en-US" sz="1200" smtClean="0"/>
+              <a:t>			changes when outliers are excluded</a:t>
+            </a:r>
+            <a:endParaRPr lang="en-US" sz="1200" dirty="0"/>
+          </a:p>
+        </p:txBody>
+      </p:sp>
+      <p:sp>
+        <p:nvSpPr>
+          <p:cNvPr id="11" name="TextBox 10"/>
+          <p:cNvSpPr txBox="1"/>
+          <p:nvPr/>
+        </p:nvSpPr>
+        <p:spPr>
+          <a:xfrm>
+            <a:off x="7549868" y="3273645"/>
+            <a:ext cx="4240227" cy="1446550"/>
+          </a:xfrm>
+          <a:prstGeom prst="rect">
+            <a:avLst/>
+          </a:prstGeom>
+          <a:solidFill>
+            <a:schemeClr val="accent2">
+              <a:lumMod val="20000"/>
+              <a:lumOff val="80000"/>
+            </a:schemeClr>
+          </a:solidFill>
+        </p:spPr>
+        <p:txBody>
+          <a:bodyPr wrap="square" rtlCol="0">
+            <a:spAutoFit/>
+          </a:bodyPr>
+          <a:lstStyle/>
+          <a:p>
+            <a:r>
               <a:rPr lang="en-US" sz="1100" i="1" dirty="0" err="1">
                 <a:latin typeface="Consolas" panose="020B0609020204030204" pitchFamily="49" charset="0"/>
               </a:rPr>
@@ -4360,7 +4761,19 @@
               <a:rPr lang="en-US" sz="1100" dirty="0">
                 <a:latin typeface="Consolas" panose="020B0609020204030204" pitchFamily="49" charset="0"/>
               </a:rPr>
-              <a:t>(data = possum, </a:t>
+              <a:t>(data </a:t>
+            </a:r>
+            <a:r>
+              <a:rPr lang="en-US" sz="1100">
+                <a:latin typeface="Consolas" panose="020B0609020204030204" pitchFamily="49" charset="0"/>
+              </a:rPr>
+              <a:t>= </a:t>
+            </a:r>
+            <a:r>
+              <a:rPr lang="en-US" sz="1100" smtClean="0">
+                <a:latin typeface="Consolas" panose="020B0609020204030204" pitchFamily="49" charset="0"/>
+              </a:rPr>
+              <a:t>mammals </a:t>
             </a:r>
             <a:r>
               <a:rPr lang="en-US" sz="1100" dirty="0" err="1">
@@ -4372,7 +4785,43 @@
               <a:rPr lang="en-US" sz="1100" dirty="0">
                 <a:latin typeface="Consolas" panose="020B0609020204030204" pitchFamily="49" charset="0"/>
               </a:rPr>
-              <a:t>(y = total, x = tail)) +</a:t>
+              <a:t>(y </a:t>
+            </a:r>
+            <a:r>
+              <a:rPr lang="en-US" sz="1100">
+                <a:latin typeface="Consolas" panose="020B0609020204030204" pitchFamily="49" charset="0"/>
+              </a:rPr>
+              <a:t>= </a:t>
+            </a:r>
+            <a:r>
+              <a:rPr lang="en-US" sz="1100" smtClean="0">
+                <a:latin typeface="Consolas" panose="020B0609020204030204" pitchFamily="49" charset="0"/>
+              </a:rPr>
+              <a:t>BrainWt, </a:t>
+            </a:r>
+            <a:r>
+              <a:rPr lang="en-US" sz="1100" dirty="0">
+                <a:latin typeface="Consolas" panose="020B0609020204030204" pitchFamily="49" charset="0"/>
+              </a:rPr>
+              <a:t>x </a:t>
+            </a:r>
+            <a:r>
+              <a:rPr lang="en-US" sz="1100">
+                <a:latin typeface="Consolas" panose="020B0609020204030204" pitchFamily="49" charset="0"/>
+              </a:rPr>
+              <a:t>= </a:t>
+            </a:r>
+            <a:r>
+              <a:rPr lang="en-US" sz="1100" smtClean="0">
+                <a:latin typeface="Consolas" panose="020B0609020204030204" pitchFamily="49" charset="0"/>
+              </a:rPr>
+              <a:t>BodyWt)) </a:t>
+            </a:r>
+            <a:r>
+              <a:rPr lang="en-US" sz="1100" dirty="0">
+                <a:latin typeface="Consolas" panose="020B0609020204030204" pitchFamily="49" charset="0"/>
+              </a:rPr>
+              <a:t>+</a:t>
             </a:r>
           </a:p>
           <a:p>
@@ -4409,104 +4858,272 @@
           </a:p>
           <a:p>
             <a:r>
-              <a:rPr lang="en-US" sz="1100" i="1" dirty="0">
+              <a:rPr lang="en-US" sz="1100" i="1">
                 <a:latin typeface="Consolas" panose="020B0609020204030204" pitchFamily="49" charset="0"/>
                 <a:sym typeface="Wingdings" panose="05000000000000000000" pitchFamily="2" charset="2"/>
               </a:rPr>
               <a:t>	</a:t>
             </a:r>
             <a:r>
-              <a:rPr lang="en-US" sz="1100" i="1" dirty="0" err="1">
+              <a:rPr lang="en-US" sz="1100" i="1" smtClean="0">
                 <a:latin typeface="Consolas" panose="020B0609020204030204" pitchFamily="49" charset="0"/>
                 <a:sym typeface="Wingdings" panose="05000000000000000000" pitchFamily="2" charset="2"/>
               </a:rPr>
-              <a:t>scale_x_continuous</a:t>
-            </a:r>
-            <a:r>
-              <a:rPr lang="en-US" sz="1100" dirty="0">
-                <a:latin typeface="Consolas" panose="020B0609020204030204" pitchFamily="49" charset="0"/>
-                <a:sym typeface="Wingdings" panose="05000000000000000000" pitchFamily="2" charset="2"/>
-              </a:rPr>
-              <a:t>(“Length of Possum Tail (cm)”) +</a:t>
-            </a:r>
-          </a:p>
-          <a:p>
-            <a:r>
-              <a:rPr lang="en-US" sz="1100" i="1" dirty="0">
-                <a:latin typeface="Consolas" panose="020B0609020204030204" pitchFamily="49" charset="0"/>
-                <a:sym typeface="Wingdings" panose="05000000000000000000" pitchFamily="2" charset="2"/>
-              </a:rPr>
-              <a:t>	</a:t>
-            </a:r>
-            <a:r>
-              <a:rPr lang="en-US" sz="1100" i="1" dirty="0" err="1">
-                <a:latin typeface="Consolas" panose="020B0609020204030204" pitchFamily="49" charset="0"/>
-                <a:sym typeface="Wingdings" panose="05000000000000000000" pitchFamily="2" charset="2"/>
-              </a:rPr>
-              <a:t>scale_y_continuous</a:t>
-            </a:r>
-            <a:r>
-              <a:rPr lang="en-US" sz="1100" dirty="0">
-                <a:latin typeface="Consolas" panose="020B0609020204030204" pitchFamily="49" charset="0"/>
-                <a:sym typeface="Wingdings" panose="05000000000000000000" pitchFamily="2" charset="2"/>
-              </a:rPr>
-              <a:t>(“Length of Possum Body (cm)”)</a:t>
-            </a:r>
-          </a:p>
-          <a:p>
+              <a:t>coord_trans(x = “log10”, y = “log10”)</a:t>
+            </a:r>
             <a:endParaRPr lang="en-US" sz="1100" dirty="0">
               <a:latin typeface="Consolas" panose="020B0609020204030204" pitchFamily="49" charset="0"/>
               <a:sym typeface="Wingdings" panose="05000000000000000000" pitchFamily="2" charset="2"/>
             </a:endParaRPr>
           </a:p>
           <a:p>
-            <a:r>
-              <a:rPr lang="en-US" sz="1100" i="1" dirty="0" err="1">
-                <a:latin typeface="Consolas" panose="020B0609020204030204" pitchFamily="49" charset="0"/>
-              </a:rPr>
-              <a:t>ggplot</a:t>
-            </a:r>
-            <a:r>
-              <a:rPr lang="en-US" sz="1100" dirty="0">
-                <a:latin typeface="Consolas" panose="020B0609020204030204" pitchFamily="49" charset="0"/>
-              </a:rPr>
-              <a:t>(data = possum, </a:t>
-            </a:r>
-            <a:r>
-              <a:rPr lang="en-US" sz="1100" dirty="0" err="1">
-                <a:latin typeface="Consolas" panose="020B0609020204030204" pitchFamily="49" charset="0"/>
-              </a:rPr>
-              <a:t>aes</a:t>
-            </a:r>
-            <a:r>
-              <a:rPr lang="en-US" sz="1100" dirty="0">
-                <a:latin typeface="Consolas" panose="020B0609020204030204" pitchFamily="49" charset="0"/>
-              </a:rPr>
-              <a:t>(y = total, x = cut(tail, breaks = 5))) +</a:t>
-            </a:r>
-          </a:p>
-          <a:p>
-            <a:r>
-              <a:rPr lang="en-US" sz="1100" i="1" dirty="0">
-                <a:latin typeface="Consolas" panose="020B0609020204030204" pitchFamily="49" charset="0"/>
-              </a:rPr>
-              <a:t>	</a:t>
-            </a:r>
-            <a:r>
-              <a:rPr lang="en-US" sz="1100" i="1" dirty="0" err="1">
-                <a:latin typeface="Consolas" panose="020B0609020204030204" pitchFamily="49" charset="0"/>
-              </a:rPr>
-              <a:t>geom_boxplot</a:t>
-            </a:r>
-            <a:r>
-              <a:rPr lang="en-US" sz="1100" dirty="0">
-                <a:latin typeface="Consolas" panose="020B0609020204030204" pitchFamily="49" charset="0"/>
-              </a:rPr>
-              <a:t>()</a:t>
-            </a:r>
-            <a:endParaRPr lang="en-US" sz="1100" dirty="0">
+            <a:endParaRPr lang="en-US" sz="1100" smtClean="0">
               <a:latin typeface="Consolas" panose="020B0609020204030204" pitchFamily="49" charset="0"/>
               <a:sym typeface="Wingdings" panose="05000000000000000000" pitchFamily="2" charset="2"/>
+            </a:endParaRPr>
+          </a:p>
+          <a:p>
+            <a:r>
+              <a:rPr lang="en-US" sz="1100" i="1">
+                <a:latin typeface="Consolas" panose="020B0609020204030204" pitchFamily="49" charset="0"/>
+              </a:rPr>
+              <a:t>ggplot</a:t>
+            </a:r>
+            <a:r>
+              <a:rPr lang="en-US" sz="1100">
+                <a:latin typeface="Consolas" panose="020B0609020204030204" pitchFamily="49" charset="0"/>
+              </a:rPr>
+              <a:t>(data = mammals aes(y = BrainWt, x = BodyWt)) +</a:t>
+            </a:r>
+          </a:p>
+          <a:p>
+            <a:r>
+              <a:rPr lang="en-US" sz="1100" i="1">
+                <a:latin typeface="Consolas" panose="020B0609020204030204" pitchFamily="49" charset="0"/>
+              </a:rPr>
+              <a:t>	geom_point</a:t>
+            </a:r>
+            <a:r>
+              <a:rPr lang="en-US" sz="1100">
+                <a:latin typeface="Consolas" panose="020B0609020204030204" pitchFamily="49" charset="0"/>
+              </a:rPr>
+              <a:t>()</a:t>
+            </a:r>
+            <a:r>
+              <a:rPr lang="en-US" sz="1100" i="1">
+                <a:latin typeface="Consolas" panose="020B0609020204030204" pitchFamily="49" charset="0"/>
+              </a:rPr>
+              <a:t> </a:t>
+            </a:r>
+            <a:r>
+              <a:rPr lang="en-US" sz="1100">
+                <a:latin typeface="Consolas" panose="020B0609020204030204" pitchFamily="49" charset="0"/>
+              </a:rPr>
+              <a:t>+</a:t>
+            </a:r>
+          </a:p>
+          <a:p>
+            <a:r>
+              <a:rPr lang="en-US" sz="1100" i="1">
+                <a:latin typeface="Consolas" panose="020B0609020204030204" pitchFamily="49" charset="0"/>
+                <a:sym typeface="Wingdings" panose="05000000000000000000" pitchFamily="2" charset="2"/>
+              </a:rPr>
+              <a:t>	</a:t>
+            </a:r>
+            <a:r>
+              <a:rPr lang="en-US" sz="1100" i="1" smtClean="0">
+                <a:latin typeface="Consolas" panose="020B0609020204030204" pitchFamily="49" charset="0"/>
+                <a:sym typeface="Wingdings" panose="05000000000000000000" pitchFamily="2" charset="2"/>
+              </a:rPr>
+              <a:t>scale_x_log10() +</a:t>
+            </a:r>
+          </a:p>
+          <a:p>
+            <a:r>
+              <a:rPr lang="en-US" sz="1100" i="1">
+                <a:latin typeface="Consolas" panose="020B0609020204030204" pitchFamily="49" charset="0"/>
+                <a:sym typeface="Wingdings" panose="05000000000000000000" pitchFamily="2" charset="2"/>
+              </a:rPr>
+              <a:t>	</a:t>
+            </a:r>
+            <a:r>
+              <a:rPr lang="en-US" sz="1100" i="1" smtClean="0">
+                <a:latin typeface="Consolas" panose="020B0609020204030204" pitchFamily="49" charset="0"/>
+                <a:sym typeface="Wingdings" panose="05000000000000000000" pitchFamily="2" charset="2"/>
+              </a:rPr>
+              <a:t>scale_y_log10()</a:t>
+            </a:r>
+            <a:endParaRPr lang="en-US" sz="1100" smtClean="0">
+              <a:latin typeface="Consolas" panose="020B0609020204030204" pitchFamily="49" charset="0"/>
+            </a:endParaRPr>
+          </a:p>
+        </p:txBody>
+      </p:sp>
+      <p:sp>
+        <p:nvSpPr>
+          <p:cNvPr id="12" name="TextBox 11"/>
+          <p:cNvSpPr txBox="1"/>
+          <p:nvPr/>
+        </p:nvSpPr>
+        <p:spPr>
+          <a:xfrm>
+            <a:off x="8614558" y="5643639"/>
+            <a:ext cx="2811396" cy="415498"/>
+          </a:xfrm>
+          <a:prstGeom prst="rect">
+            <a:avLst/>
+          </a:prstGeom>
+          <a:noFill/>
+        </p:spPr>
+        <p:txBody>
+          <a:bodyPr wrap="square" rtlCol="0">
+            <a:spAutoFit/>
+          </a:bodyPr>
+          <a:lstStyle/>
+          <a:p>
+            <a:pPr algn="ctr"/>
+            <a:r>
+              <a:rPr lang="en-US" sz="1050" smtClean="0">
+                <a:solidFill>
+                  <a:srgbClr val="C00000"/>
+                </a:solidFill>
+                <a:latin typeface="Arial" panose="020B0604020202020204" pitchFamily="34" charset="0"/>
+                <a:cs typeface="Arial" panose="020B0604020202020204" pitchFamily="34" charset="0"/>
+              </a:rPr>
+              <a:t>transforming the axis scaling can change your outlook on the form of the relationship</a:t>
+            </a:r>
+            <a:endParaRPr lang="en-US" sz="1050">
+              <a:solidFill>
+                <a:srgbClr val="C00000"/>
+              </a:solidFill>
+              <a:latin typeface="Arial" panose="020B0604020202020204" pitchFamily="34" charset="0"/>
+              <a:cs typeface="Arial" panose="020B0604020202020204" pitchFamily="34" charset="0"/>
+            </a:endParaRPr>
+          </a:p>
+        </p:txBody>
+      </p:sp>
+      <p:cxnSp>
+        <p:nvCxnSpPr>
+          <p:cNvPr id="13" name="Straight Arrow Connector 12"/>
+          <p:cNvCxnSpPr>
+            <a:stCxn id="12" idx="0"/>
+            <a:endCxn id="11" idx="2"/>
+          </p:cNvCxnSpPr>
+          <p:nvPr/>
+        </p:nvCxnSpPr>
+        <p:spPr>
+          <a:xfrm flipH="1" flipV="1">
+            <a:off x="9669982" y="4720195"/>
+            <a:ext cx="350274" cy="923444"/>
+          </a:xfrm>
+          <a:prstGeom prst="straightConnector1">
+            <a:avLst/>
+          </a:prstGeom>
+          <a:ln w="9525" cap="flat" cmpd="sng" algn="ctr">
+            <a:solidFill>
+              <a:schemeClr val="accent1"/>
+            </a:solidFill>
+            <a:prstDash val="solid"/>
+            <a:round/>
+            <a:headEnd type="none" w="med" len="med"/>
+            <a:tailEnd type="arrow" w="med" len="med"/>
+          </a:ln>
+        </p:spPr>
+        <p:style>
+          <a:lnRef idx="0">
+            <a:scrgbClr r="0" g="0" b="0"/>
+          </a:lnRef>
+          <a:fillRef idx="0">
+            <a:scrgbClr r="0" g="0" b="0"/>
+          </a:fillRef>
+          <a:effectRef idx="0">
+            <a:scrgbClr r="0" g="0" b="0"/>
+          </a:effectRef>
+          <a:fontRef idx="minor">
+            <a:schemeClr val="tx1"/>
+          </a:fontRef>
+        </p:style>
+      </p:cxnSp>
+      <p:cxnSp>
+        <p:nvCxnSpPr>
+          <p:cNvPr id="15" name="Straight Arrow Connector 14"/>
+          <p:cNvCxnSpPr>
+            <a:stCxn id="19" idx="1"/>
+          </p:cNvCxnSpPr>
+          <p:nvPr/>
+        </p:nvCxnSpPr>
+        <p:spPr>
+          <a:xfrm flipH="1" flipV="1">
+            <a:off x="5559228" y="4474897"/>
+            <a:ext cx="1950102" cy="455085"/>
+          </a:xfrm>
+          <a:prstGeom prst="straightConnector1">
+            <a:avLst/>
+          </a:prstGeom>
+          <a:ln w="9525" cap="flat" cmpd="sng" algn="ctr">
+            <a:solidFill>
+              <a:schemeClr val="accent1"/>
+            </a:solidFill>
+            <a:prstDash val="solid"/>
+            <a:round/>
+            <a:headEnd type="none" w="med" len="med"/>
+            <a:tailEnd type="arrow" w="med" len="med"/>
+          </a:ln>
+        </p:spPr>
+        <p:style>
+          <a:lnRef idx="0">
+            <a:scrgbClr r="0" g="0" b="0"/>
+          </a:lnRef>
+          <a:fillRef idx="0">
+            <a:scrgbClr r="0" g="0" b="0"/>
+          </a:fillRef>
+          <a:effectRef idx="0">
+            <a:scrgbClr r="0" g="0" b="0"/>
+          </a:effectRef>
+          <a:fontRef idx="minor">
+            <a:schemeClr val="tx1"/>
+          </a:fontRef>
+        </p:style>
+      </p:cxnSp>
+      <p:sp>
+        <p:nvSpPr>
+          <p:cNvPr id="19" name="TextBox 18"/>
+          <p:cNvSpPr txBox="1"/>
+          <p:nvPr/>
+        </p:nvSpPr>
+        <p:spPr>
+          <a:xfrm>
+            <a:off x="7509330" y="4803024"/>
+            <a:ext cx="1950259" cy="253916"/>
+          </a:xfrm>
+          <a:prstGeom prst="rect">
+            <a:avLst/>
+          </a:prstGeom>
+          <a:noFill/>
+        </p:spPr>
+        <p:txBody>
+          <a:bodyPr wrap="square" rtlCol="0">
+            <a:spAutoFit/>
+          </a:bodyPr>
+          <a:lstStyle/>
+          <a:p>
+            <a:pPr algn="ctr"/>
+            <a:r>
+              <a:rPr lang="en-US" sz="1050" smtClean="0">
+                <a:solidFill>
+                  <a:srgbClr val="C00000"/>
+                </a:solidFill>
+                <a:latin typeface="Arial" panose="020B0604020202020204" pitchFamily="34" charset="0"/>
+                <a:cs typeface="Arial" panose="020B0604020202020204" pitchFamily="34" charset="0"/>
+              </a:rPr>
+              <a:t>ways to deal with overplotting</a:t>
+            </a:r>
+            <a:endParaRPr lang="en-US" sz="1050">
+              <a:solidFill>
+                <a:srgbClr val="C00000"/>
+              </a:solidFill>
+              <a:latin typeface="Arial" panose="020B0604020202020204" pitchFamily="34" charset="0"/>
+              <a:cs typeface="Arial" panose="020B0604020202020204" pitchFamily="34" charset="0"/>
             </a:endParaRPr>
           </a:p>
         </p:txBody>

--- a/Correlation-and-Regression/Correlation and Regression.pptx
+++ b/Correlation-and-Regression/Correlation and Regression.pptx
@@ -14,7 +14,7 @@
     <p:sldId id="262" r:id="rId8"/>
   </p:sldIdLst>
   <p:sldSz cx="12192000" cy="6858000"/>
-  <p:notesSz cx="6858000" cy="9144000"/>
+  <p:notesSz cx="7010400" cy="9296400"/>
   <p:defaultTextStyle>
     <a:defPPr>
       <a:defRPr lang="en-US"/>
@@ -299,7 +299,7 @@
             <a:fld id="{B61BEF0D-F0BB-DE4B-95CE-6DB70DBA9567}" type="datetimeFigureOut">
               <a:rPr lang="en-US" smtClean="0"/>
               <a:pPr/>
-              <a:t>3/18/2019</a:t>
+              <a:t>3/20/2019</a:t>
             </a:fld>
             <a:endParaRPr lang="en-US" dirty="0"/>
           </a:p>
@@ -631,7 +631,7 @@
             <a:fld id="{B61BEF0D-F0BB-DE4B-95CE-6DB70DBA9567}" type="datetimeFigureOut">
               <a:rPr lang="en-US" smtClean="0"/>
               <a:pPr/>
-              <a:t>3/18/2019</a:t>
+              <a:t>3/20/2019</a:t>
             </a:fld>
             <a:endParaRPr lang="en-US" dirty="0"/>
           </a:p>
@@ -813,7 +813,7 @@
             <a:fld id="{B61BEF0D-F0BB-DE4B-95CE-6DB70DBA9567}" type="datetimeFigureOut">
               <a:rPr lang="en-US" smtClean="0"/>
               <a:pPr/>
-              <a:t>3/18/2019</a:t>
+              <a:t>3/20/2019</a:t>
             </a:fld>
             <a:endParaRPr lang="en-US" dirty="0"/>
           </a:p>
@@ -985,7 +985,7 @@
             <a:fld id="{B61BEF0D-F0BB-DE4B-95CE-6DB70DBA9567}" type="datetimeFigureOut">
               <a:rPr lang="en-US" smtClean="0"/>
               <a:pPr/>
-              <a:t>3/18/2019</a:t>
+              <a:t>3/20/2019</a:t>
             </a:fld>
             <a:endParaRPr lang="en-US" dirty="0"/>
           </a:p>
@@ -1264,7 +1264,7 @@
             <a:fld id="{B61BEF0D-F0BB-DE4B-95CE-6DB70DBA9567}" type="datetimeFigureOut">
               <a:rPr lang="en-US" smtClean="0"/>
               <a:pPr/>
-              <a:t>3/18/2019</a:t>
+              <a:t>3/20/2019</a:t>
             </a:fld>
             <a:endParaRPr lang="en-US" dirty="0"/>
           </a:p>
@@ -1660,7 +1660,7 @@
             <a:fld id="{B61BEF0D-F0BB-DE4B-95CE-6DB70DBA9567}" type="datetimeFigureOut">
               <a:rPr lang="en-US" smtClean="0"/>
               <a:pPr/>
-              <a:t>3/18/2019</a:t>
+              <a:t>3/20/2019</a:t>
             </a:fld>
             <a:endParaRPr lang="en-US" dirty="0"/>
           </a:p>
@@ -2139,7 +2139,7 @@
             <a:fld id="{B61BEF0D-F0BB-DE4B-95CE-6DB70DBA9567}" type="datetimeFigureOut">
               <a:rPr lang="en-US" smtClean="0"/>
               <a:pPr/>
-              <a:t>3/18/2019</a:t>
+              <a:t>3/20/2019</a:t>
             </a:fld>
             <a:endParaRPr lang="en-US" dirty="0"/>
           </a:p>
@@ -2259,7 +2259,7 @@
             <a:fld id="{B61BEF0D-F0BB-DE4B-95CE-6DB70DBA9567}" type="datetimeFigureOut">
               <a:rPr lang="en-US" smtClean="0"/>
               <a:pPr/>
-              <a:t>3/18/2019</a:t>
+              <a:t>3/20/2019</a:t>
             </a:fld>
             <a:endParaRPr lang="en-US" dirty="0"/>
           </a:p>
@@ -2356,7 +2356,7 @@
             <a:fld id="{B61BEF0D-F0BB-DE4B-95CE-6DB70DBA9567}" type="datetimeFigureOut">
               <a:rPr lang="en-US" smtClean="0"/>
               <a:pPr/>
-              <a:t>3/18/2019</a:t>
+              <a:t>3/20/2019</a:t>
             </a:fld>
             <a:endParaRPr lang="en-US" dirty="0"/>
           </a:p>
@@ -2704,7 +2704,7 @@
             <a:fld id="{B61BEF0D-F0BB-DE4B-95CE-6DB70DBA9567}" type="datetimeFigureOut">
               <a:rPr lang="en-US" smtClean="0"/>
               <a:pPr/>
-              <a:t>3/18/2019</a:t>
+              <a:t>3/20/2019</a:t>
             </a:fld>
             <a:endParaRPr lang="en-US" dirty="0"/>
           </a:p>
@@ -3094,7 +3094,7 @@
             <a:fld id="{B61BEF0D-F0BB-DE4B-95CE-6DB70DBA9567}" type="datetimeFigureOut">
               <a:rPr lang="en-US" smtClean="0"/>
               <a:pPr/>
-              <a:t>3/18/2019</a:t>
+              <a:t>3/20/2019</a:t>
             </a:fld>
             <a:endParaRPr lang="en-US" dirty="0"/>
           </a:p>
@@ -3374,7 +3374,7 @@
             <a:fld id="{B61BEF0D-F0BB-DE4B-95CE-6DB70DBA9567}" type="datetimeFigureOut">
               <a:rPr lang="en-US" smtClean="0"/>
               <a:pPr/>
-              <a:t>3/18/2019</a:t>
+              <a:t>3/20/2019</a:t>
             </a:fld>
             <a:endParaRPr lang="en-US" dirty="0"/>
           </a:p>
@@ -3873,6 +3873,14 @@
 <file path=ppt/slides/slide1.xml><?xml version="1.0" encoding="utf-8"?>
 <p:sld xmlns:a="http://schemas.openxmlformats.org/drawingml/2006/main" xmlns:r="http://schemas.openxmlformats.org/officeDocument/2006/relationships" xmlns:p="http://schemas.openxmlformats.org/presentationml/2006/main">
   <p:cSld>
+    <p:bg>
+      <p:bgPr>
+        <a:solidFill>
+          <a:schemeClr val="bg1"/>
+        </a:solidFill>
+        <a:effectLst/>
+      </p:bgPr>
+    </p:bg>
     <p:spTree>
       <p:nvGrpSpPr>
         <p:cNvPr id="1" name=""/>
@@ -3958,6 +3966,14 @@
 <file path=ppt/slides/slide2.xml><?xml version="1.0" encoding="utf-8"?>
 <p:sld xmlns:a="http://schemas.openxmlformats.org/drawingml/2006/main" xmlns:r="http://schemas.openxmlformats.org/officeDocument/2006/relationships" xmlns:p="http://schemas.openxmlformats.org/presentationml/2006/main">
   <p:cSld>
+    <p:bg>
+      <p:bgPr>
+        <a:solidFill>
+          <a:schemeClr val="bg1"/>
+        </a:solidFill>
+        <a:effectLst/>
+      </p:bgPr>
+    </p:bg>
     <p:spTree>
       <p:nvGrpSpPr>
         <p:cNvPr id="1" name=""/>
@@ -4102,6 +4118,14 @@
 <file path=ppt/slides/slide3.xml><?xml version="1.0" encoding="utf-8"?>
 <p:sld xmlns:a="http://schemas.openxmlformats.org/drawingml/2006/main" xmlns:r="http://schemas.openxmlformats.org/officeDocument/2006/relationships" xmlns:p="http://schemas.openxmlformats.org/presentationml/2006/main">
   <p:cSld>
+    <p:bg>
+      <p:bgPr>
+        <a:solidFill>
+          <a:schemeClr val="bg1"/>
+        </a:solidFill>
+        <a:effectLst/>
+      </p:bgPr>
+    </p:bg>
     <p:spTree>
       <p:nvGrpSpPr>
         <p:cNvPr id="1" name=""/>
@@ -4412,7 +4436,7 @@
               <a:t>(data = possum, </a:t>
             </a:r>
             <a:r>
-              <a:rPr lang="en-US" sz="1100" dirty="0" err="1">
+              <a:rPr lang="en-US" sz="1100" i="1" dirty="0" err="1">
                 <a:latin typeface="Consolas" panose="020B0609020204030204" pitchFamily="49" charset="0"/>
               </a:rPr>
               <a:t>aes</a:t>
@@ -4519,7 +4543,31 @@
               <a:rPr lang="en-US" sz="1100">
                 <a:latin typeface="Consolas" panose="020B0609020204030204" pitchFamily="49" charset="0"/>
               </a:rPr>
-              <a:t>(data = bdims, aes(y = wgt, x = hgt, color = factor(sex))) </a:t>
+              <a:t>(data = bdims, </a:t>
+            </a:r>
+            <a:r>
+              <a:rPr lang="en-US" sz="1100" i="1">
+                <a:latin typeface="Consolas" panose="020B0609020204030204" pitchFamily="49" charset="0"/>
+              </a:rPr>
+              <a:t>aes</a:t>
+            </a:r>
+            <a:r>
+              <a:rPr lang="en-US" sz="1100">
+                <a:latin typeface="Consolas" panose="020B0609020204030204" pitchFamily="49" charset="0"/>
+              </a:rPr>
+              <a:t>(y = wgt, x = hgt, color = </a:t>
+            </a:r>
+            <a:r>
+              <a:rPr lang="en-US" sz="1100" i="1">
+                <a:latin typeface="Consolas" panose="020B0609020204030204" pitchFamily="49" charset="0"/>
+              </a:rPr>
+              <a:t>factor</a:t>
+            </a:r>
+            <a:r>
+              <a:rPr lang="en-US" sz="1100">
+                <a:latin typeface="Consolas" panose="020B0609020204030204" pitchFamily="49" charset="0"/>
+              </a:rPr>
+              <a:t>(sex))) </a:t>
             </a:r>
             <a:r>
               <a:rPr lang="en-US" sz="1100" smtClean="0">
@@ -4572,7 +4620,7 @@
               <a:t>(data = possum, </a:t>
             </a:r>
             <a:r>
-              <a:rPr lang="en-US" sz="1100" dirty="0" err="1">
+              <a:rPr lang="en-US" sz="1100" i="1" dirty="0" err="1">
                 <a:latin typeface="Consolas" panose="020B0609020204030204" pitchFamily="49" charset="0"/>
               </a:rPr>
               <a:t>aes</a:t>
@@ -4581,7 +4629,19 @@
               <a:rPr lang="en-US" sz="1100" dirty="0">
                 <a:latin typeface="Consolas" panose="020B0609020204030204" pitchFamily="49" charset="0"/>
               </a:rPr>
-              <a:t>(y = total, x = cut(tail, breaks = 5))) +</a:t>
+              <a:t>(y = total, x = </a:t>
+            </a:r>
+            <a:r>
+              <a:rPr lang="en-US" sz="1100" i="1" dirty="0">
+                <a:latin typeface="Consolas" panose="020B0609020204030204" pitchFamily="49" charset="0"/>
+              </a:rPr>
+              <a:t>cut</a:t>
+            </a:r>
+            <a:r>
+              <a:rPr lang="en-US" sz="1100" dirty="0">
+                <a:latin typeface="Consolas" panose="020B0609020204030204" pitchFamily="49" charset="0"/>
+              </a:rPr>
+              <a:t>(tail, breaks = 5))) +</a:t>
             </a:r>
           </a:p>
           <a:p>
@@ -4615,7 +4675,7 @@
         <p:spPr>
           <a:xfrm>
             <a:off x="1371600" y="5361124"/>
-            <a:ext cx="5571366" cy="1277273"/>
+            <a:ext cx="6397812" cy="1277273"/>
           </a:xfrm>
           <a:prstGeom prst="rect">
             <a:avLst/>
@@ -4698,8 +4758,13 @@
             </a:pPr>
             <a:r>
               <a:rPr lang="en-US" sz="1200" smtClean="0"/>
-              <a:t>Strength		how much scatter or noise</a:t>
-            </a:r>
+              <a:t>Strength		how much scatter or </a:t>
+            </a:r>
+            <a:r>
+              <a:rPr lang="en-US" sz="1200" smtClean="0"/>
+              <a:t>noise; quantified by the correlation coefficient</a:t>
+            </a:r>
+            <a:endParaRPr lang="en-US" sz="1200" smtClean="0"/>
           </a:p>
           <a:p>
             <a:pPr marL="573088" indent="-285750">
@@ -4776,7 +4841,7 @@
               <a:t>mammals </a:t>
             </a:r>
             <a:r>
-              <a:rPr lang="en-US" sz="1100" dirty="0" err="1">
+              <a:rPr lang="en-US" sz="1100" i="1" dirty="0" err="1">
                 <a:latin typeface="Consolas" panose="020B0609020204030204" pitchFamily="49" charset="0"/>
               </a:rPr>
               <a:t>aes</a:t>
@@ -4826,55 +4891,52 @@
           </a:p>
           <a:p>
             <a:r>
-              <a:rPr lang="en-US" sz="1100" i="1" dirty="0">
-                <a:latin typeface="Consolas" panose="020B0609020204030204" pitchFamily="49" charset="0"/>
+              <a:rPr lang="en-US" sz="1100" i="1" smtClean="0">
+                <a:latin typeface="Consolas" panose="020B0609020204030204" pitchFamily="49" charset="0"/>
+              </a:rPr>
+              <a:t>	geom_point</a:t>
+            </a:r>
+            <a:r>
+              <a:rPr lang="en-US" sz="1100" smtClean="0">
+                <a:latin typeface="Consolas" panose="020B0609020204030204" pitchFamily="49" charset="0"/>
+              </a:rPr>
+              <a:t>()</a:t>
+            </a:r>
+            <a:r>
+              <a:rPr lang="en-US" sz="1100" i="1" smtClean="0">
+                <a:latin typeface="Consolas" panose="020B0609020204030204" pitchFamily="49" charset="0"/>
+              </a:rPr>
+              <a:t> </a:t>
+            </a:r>
+            <a:r>
+              <a:rPr lang="en-US" sz="1100" smtClean="0">
+                <a:latin typeface="Consolas" panose="020B0609020204030204" pitchFamily="49" charset="0"/>
+              </a:rPr>
+              <a:t>+</a:t>
+            </a:r>
+          </a:p>
+          <a:p>
+            <a:r>
+              <a:rPr lang="en-US" sz="1100" i="1">
+                <a:latin typeface="Consolas" panose="020B0609020204030204" pitchFamily="49" charset="0"/>
+                <a:sym typeface="Wingdings" panose="05000000000000000000" pitchFamily="2" charset="2"/>
               </a:rPr>
               <a:t>	</a:t>
             </a:r>
             <a:r>
-              <a:rPr lang="en-US" sz="1100" i="1" dirty="0" err="1">
-                <a:latin typeface="Consolas" panose="020B0609020204030204" pitchFamily="49" charset="0"/>
-              </a:rPr>
-              <a:t>geom_point</a:t>
-            </a:r>
-            <a:r>
-              <a:rPr lang="en-US" sz="1100" dirty="0">
-                <a:latin typeface="Consolas" panose="020B0609020204030204" pitchFamily="49" charset="0"/>
-              </a:rPr>
-              <a:t>()</a:t>
-            </a:r>
-            <a:r>
-              <a:rPr lang="en-US" sz="1100" i="1" dirty="0">
-                <a:latin typeface="Consolas" panose="020B0609020204030204" pitchFamily="49" charset="0"/>
-              </a:rPr>
-              <a:t> </a:t>
-            </a:r>
-            <a:r>
-              <a:rPr lang="en-US" sz="1100" dirty="0">
-                <a:latin typeface="Consolas" panose="020B0609020204030204" pitchFamily="49" charset="0"/>
-              </a:rPr>
-              <a:t>+</a:t>
-            </a:r>
-          </a:p>
-          <a:p>
-            <a:r>
-              <a:rPr lang="en-US" sz="1100" i="1">
+              <a:rPr lang="en-US" sz="1100" i="1" smtClean="0">
                 <a:latin typeface="Consolas" panose="020B0609020204030204" pitchFamily="49" charset="0"/>
                 <a:sym typeface="Wingdings" panose="05000000000000000000" pitchFamily="2" charset="2"/>
               </a:rPr>
-              <a:t>	</a:t>
-            </a:r>
-            <a:r>
-              <a:rPr lang="en-US" sz="1100" i="1" smtClean="0">
+              <a:t>coord_trans</a:t>
+            </a:r>
+            <a:r>
+              <a:rPr lang="en-US" sz="1100" smtClean="0">
                 <a:latin typeface="Consolas" panose="020B0609020204030204" pitchFamily="49" charset="0"/>
                 <a:sym typeface="Wingdings" panose="05000000000000000000" pitchFamily="2" charset="2"/>
               </a:rPr>
-              <a:t>coord_trans(x = “log10”, y = “log10”)</a:t>
-            </a:r>
-            <a:endParaRPr lang="en-US" sz="1100" dirty="0">
-              <a:latin typeface="Consolas" panose="020B0609020204030204" pitchFamily="49" charset="0"/>
-              <a:sym typeface="Wingdings" panose="05000000000000000000" pitchFamily="2" charset="2"/>
-            </a:endParaRPr>
+              <a:t>(x = “log10”, y = “log10”)</a:t>
+            </a:r>
           </a:p>
           <a:p>
             <a:endParaRPr lang="en-US" sz="1100" smtClean="0">
@@ -4884,16 +4946,34 @@
           </a:p>
           <a:p>
             <a:r>
+              <a:rPr lang="en-US" sz="1100" i="1" smtClean="0">
+                <a:latin typeface="Consolas" panose="020B0609020204030204" pitchFamily="49" charset="0"/>
+              </a:rPr>
+              <a:t>ggplot</a:t>
+            </a:r>
+            <a:r>
+              <a:rPr lang="en-US" sz="1100" smtClean="0">
+                <a:latin typeface="Consolas" panose="020B0609020204030204" pitchFamily="49" charset="0"/>
+              </a:rPr>
+              <a:t>(data </a:t>
+            </a:r>
+            <a:r>
+              <a:rPr lang="en-US" sz="1100">
+                <a:latin typeface="Consolas" panose="020B0609020204030204" pitchFamily="49" charset="0"/>
+              </a:rPr>
+              <a:t>= mammals </a:t>
+            </a:r>
+            <a:r>
               <a:rPr lang="en-US" sz="1100" i="1">
                 <a:latin typeface="Consolas" panose="020B0609020204030204" pitchFamily="49" charset="0"/>
               </a:rPr>
-              <a:t>ggplot</a:t>
+              <a:t>aes</a:t>
             </a:r>
             <a:r>
               <a:rPr lang="en-US" sz="1100">
                 <a:latin typeface="Consolas" panose="020B0609020204030204" pitchFamily="49" charset="0"/>
               </a:rPr>
-              <a:t>(data = mammals aes(y = BrainWt, x = BodyWt)) +</a:t>
+              <a:t>(y = BrainWt, x = BodyWt)) +</a:t>
             </a:r>
           </a:p>
           <a:p>
@@ -5128,6 +5208,90 @@
           </a:p>
         </p:txBody>
       </p:sp>
+      <p:sp>
+        <p:nvSpPr>
+          <p:cNvPr id="14" name="TextBox 13"/>
+          <p:cNvSpPr txBox="1"/>
+          <p:nvPr/>
+        </p:nvSpPr>
+        <p:spPr>
+          <a:xfrm>
+            <a:off x="8395187" y="6377158"/>
+            <a:ext cx="2417587" cy="253916"/>
+          </a:xfrm>
+          <a:prstGeom prst="rect">
+            <a:avLst/>
+          </a:prstGeom>
+          <a:noFill/>
+        </p:spPr>
+        <p:txBody>
+          <a:bodyPr wrap="square" rtlCol="0">
+            <a:spAutoFit/>
+          </a:bodyPr>
+          <a:lstStyle/>
+          <a:p>
+            <a:pPr algn="ctr"/>
+            <a:r>
+              <a:rPr lang="en-US" sz="1050" smtClean="0">
+                <a:solidFill>
+                  <a:srgbClr val="C00000"/>
+                </a:solidFill>
+                <a:latin typeface="Arial" panose="020B0604020202020204" pitchFamily="34" charset="0"/>
+                <a:cs typeface="Arial" panose="020B0604020202020204" pitchFamily="34" charset="0"/>
+              </a:rPr>
+              <a:t>Pearson product-moment correlation</a:t>
+            </a:r>
+            <a:endParaRPr lang="en-US" sz="1050">
+              <a:solidFill>
+                <a:srgbClr val="C00000"/>
+              </a:solidFill>
+              <a:latin typeface="Arial" panose="020B0604020202020204" pitchFamily="34" charset="0"/>
+              <a:cs typeface="Arial" panose="020B0604020202020204" pitchFamily="34" charset="0"/>
+            </a:endParaRPr>
+          </a:p>
+        </p:txBody>
+      </p:sp>
+      <p:cxnSp>
+        <p:nvCxnSpPr>
+          <p:cNvPr id="16" name="Straight Arrow Connector 15"/>
+          <p:cNvCxnSpPr>
+            <a:endCxn id="14" idx="1"/>
+          </p:cNvCxnSpPr>
+          <p:nvPr/>
+        </p:nvCxnSpPr>
+        <p:spPr>
+          <a:xfrm>
+            <a:off x="7637929" y="6149788"/>
+            <a:ext cx="757258" cy="354328"/>
+          </a:xfrm>
+          <a:prstGeom prst="straightConnector1">
+            <a:avLst/>
+          </a:prstGeom>
+          <a:ln w="9525" cap="flat" cmpd="sng" algn="ctr">
+            <a:solidFill>
+              <a:schemeClr val="accent1"/>
+            </a:solidFill>
+            <a:prstDash val="solid"/>
+            <a:round/>
+            <a:headEnd type="none" w="med" len="med"/>
+            <a:tailEnd type="arrow" w="med" len="med"/>
+          </a:ln>
+        </p:spPr>
+        <p:style>
+          <a:lnRef idx="0">
+            <a:scrgbClr r="0" g="0" b="0"/>
+          </a:lnRef>
+          <a:fillRef idx="0">
+            <a:scrgbClr r="0" g="0" b="0"/>
+          </a:fillRef>
+          <a:effectRef idx="0">
+            <a:scrgbClr r="0" g="0" b="0"/>
+          </a:effectRef>
+          <a:fontRef idx="minor">
+            <a:schemeClr val="tx1"/>
+          </a:fontRef>
+        </p:style>
+      </p:cxnSp>
     </p:spTree>
     <p:extLst>
       <p:ext uri="{BB962C8B-B14F-4D97-AF65-F5344CB8AC3E}">
@@ -5144,6 +5308,14 @@
 <file path=ppt/slides/slide4.xml><?xml version="1.0" encoding="utf-8"?>
 <p:sld xmlns:a="http://schemas.openxmlformats.org/drawingml/2006/main" xmlns:r="http://schemas.openxmlformats.org/officeDocument/2006/relationships" xmlns:p="http://schemas.openxmlformats.org/presentationml/2006/main">
   <p:cSld>
+    <p:bg>
+      <p:bgPr>
+        <a:solidFill>
+          <a:schemeClr val="bg1"/>
+        </a:solidFill>
+        <a:effectLst/>
+      </p:bgPr>
+    </p:bg>
     <p:spTree>
       <p:nvGrpSpPr>
         <p:cNvPr id="1" name=""/>
@@ -5181,30 +5353,225 @@
           <a:lstStyle/>
           <a:p>
             <a:r>
-              <a:rPr lang="en-US" dirty="0">
+              <a:rPr lang="en-US" smtClean="0">
                 <a:latin typeface="Arial Rounded MT Bold" panose="020F0704030504030204" pitchFamily="34" charset="0"/>
               </a:rPr>
-              <a:t>Assessing Performance</a:t>
-            </a:r>
-          </a:p>
-        </p:txBody>
-      </p:sp>
-      <p:sp>
-        <p:nvSpPr>
-          <p:cNvPr id="22" name="TextBox 21">
-            <a:extLst>
-              <a:ext uri="{FF2B5EF4-FFF2-40B4-BE49-F238E27FC236}">
-                <a16:creationId xmlns:a16="http://schemas.microsoft.com/office/drawing/2014/main" id="{D2FA1DF5-118C-402C-9CE3-D89EB8221BBE}"/>
-              </a:ext>
-            </a:extLst>
-          </p:cNvPr>
+              <a:t>Correlation</a:t>
+            </a:r>
+            <a:endParaRPr lang="en-US" dirty="0">
+              <a:latin typeface="Arial Rounded MT Bold" panose="020F0704030504030204" pitchFamily="34" charset="0"/>
+            </a:endParaRPr>
+          </a:p>
+        </p:txBody>
+      </p:sp>
+      <p:grpSp>
+        <p:nvGrpSpPr>
+          <p:cNvPr id="4" name="Group 3"/>
+          <p:cNvGrpSpPr/>
+          <p:nvPr/>
+        </p:nvGrpSpPr>
+        <p:grpSpPr>
+          <a:xfrm>
+            <a:off x="1371600" y="1257301"/>
+            <a:ext cx="9746766" cy="369332"/>
+            <a:chOff x="1279822" y="3765833"/>
+            <a:chExt cx="9746766" cy="369332"/>
+          </a:xfrm>
+        </p:grpSpPr>
+        <p:cxnSp>
+          <p:nvCxnSpPr>
+            <p:cNvPr id="5" name="Straight Connector 4"/>
+            <p:cNvCxnSpPr>
+              <a:stCxn id="6" idx="3"/>
+            </p:cNvCxnSpPr>
+            <p:nvPr/>
+          </p:nvCxnSpPr>
+          <p:spPr>
+            <a:xfrm>
+              <a:off x="4782704" y="3950499"/>
+              <a:ext cx="6243884" cy="0"/>
+            </a:xfrm>
+            <a:prstGeom prst="line">
+              <a:avLst/>
+            </a:prstGeom>
+          </p:spPr>
+          <p:style>
+            <a:lnRef idx="1">
+              <a:schemeClr val="accent1"/>
+            </a:lnRef>
+            <a:fillRef idx="0">
+              <a:schemeClr val="accent1"/>
+            </a:fillRef>
+            <a:effectRef idx="0">
+              <a:schemeClr val="accent1"/>
+            </a:effectRef>
+            <a:fontRef idx="minor">
+              <a:schemeClr val="tx1"/>
+            </a:fontRef>
+          </p:style>
+        </p:cxnSp>
+        <p:sp>
+          <p:nvSpPr>
+            <p:cNvPr id="6" name="TextBox 5"/>
+            <p:cNvSpPr txBox="1"/>
+            <p:nvPr/>
+          </p:nvSpPr>
+          <p:spPr>
+            <a:xfrm>
+              <a:off x="1279822" y="3765833"/>
+              <a:ext cx="3502882" cy="369332"/>
+            </a:xfrm>
+            <a:prstGeom prst="rect">
+              <a:avLst/>
+            </a:prstGeom>
+            <a:noFill/>
+          </p:spPr>
+          <p:txBody>
+            <a:bodyPr wrap="none" rtlCol="0">
+              <a:spAutoFit/>
+            </a:bodyPr>
+            <a:lstStyle/>
+            <a:p>
+              <a:r>
+                <a:rPr lang="en-US" b="1" dirty="0">
+                  <a:solidFill>
+                    <a:srgbClr val="00B0F0"/>
+                  </a:solidFill>
+                </a:rPr>
+                <a:t>Applied </a:t>
+              </a:r>
+              <a:r>
+                <a:rPr lang="en-US" b="1">
+                  <a:solidFill>
+                    <a:srgbClr val="00B0F0"/>
+                  </a:solidFill>
+                </a:rPr>
+                <a:t>R </a:t>
+              </a:r>
+              <a:r>
+                <a:rPr lang="en-US" b="1" smtClean="0">
+                  <a:solidFill>
+                    <a:srgbClr val="00B0F0"/>
+                  </a:solidFill>
+                </a:rPr>
+                <a:t>(Calculating Correlation)</a:t>
+              </a:r>
+              <a:endParaRPr lang="en-US" b="1" dirty="0">
+                <a:solidFill>
+                  <a:srgbClr val="00B0F0"/>
+                </a:solidFill>
+              </a:endParaRPr>
+            </a:p>
+          </p:txBody>
+        </p:sp>
+      </p:grpSp>
+      <p:sp>
+        <p:nvSpPr>
+          <p:cNvPr id="7" name="TextBox 6"/>
           <p:cNvSpPr txBox="1"/>
           <p:nvPr/>
         </p:nvSpPr>
         <p:spPr>
           <a:xfrm>
-            <a:off x="1371600" y="1380565"/>
-            <a:ext cx="9075271" cy="1015663"/>
+            <a:off x="1598280" y="1626633"/>
+            <a:ext cx="5493812" cy="600164"/>
+          </a:xfrm>
+          <a:prstGeom prst="rect">
+            <a:avLst/>
+          </a:prstGeom>
+          <a:solidFill>
+            <a:schemeClr val="accent2">
+              <a:lumMod val="20000"/>
+              <a:lumOff val="80000"/>
+            </a:schemeClr>
+          </a:solidFill>
+        </p:spPr>
+        <p:txBody>
+          <a:bodyPr wrap="none" rtlCol="0">
+            <a:spAutoFit/>
+          </a:bodyPr>
+          <a:lstStyle/>
+          <a:p>
+            <a:r>
+              <a:rPr lang="en-US" sz="1100" smtClean="0">
+                <a:latin typeface="Consolas" panose="020B0609020204030204" pitchFamily="49" charset="0"/>
+              </a:rPr>
+              <a:t>ncbirths %&gt;%</a:t>
+            </a:r>
+          </a:p>
+          <a:p>
+            <a:r>
+              <a:rPr lang="en-US" sz="1100" i="1">
+                <a:latin typeface="Consolas" panose="020B0609020204030204" pitchFamily="49" charset="0"/>
+              </a:rPr>
+              <a:t>	</a:t>
+            </a:r>
+            <a:r>
+              <a:rPr lang="en-US" sz="1100" i="1" smtClean="0">
+                <a:latin typeface="Consolas" panose="020B0609020204030204" pitchFamily="49" charset="0"/>
+              </a:rPr>
+              <a:t>summarise</a:t>
+            </a:r>
+            <a:r>
+              <a:rPr lang="en-US" sz="1100" smtClean="0">
+                <a:latin typeface="Consolas" panose="020B0609020204030204" pitchFamily="49" charset="0"/>
+              </a:rPr>
+              <a:t>(obs = </a:t>
+            </a:r>
+            <a:r>
+              <a:rPr lang="en-US" sz="1100" i="1" smtClean="0">
+                <a:latin typeface="Consolas" panose="020B0609020204030204" pitchFamily="49" charset="0"/>
+              </a:rPr>
+              <a:t>n</a:t>
+            </a:r>
+            <a:r>
+              <a:rPr lang="en-US" sz="1100" smtClean="0">
+                <a:latin typeface="Consolas" panose="020B0609020204030204" pitchFamily="49" charset="0"/>
+              </a:rPr>
+              <a:t>(),</a:t>
+            </a:r>
+          </a:p>
+          <a:p>
+            <a:r>
+              <a:rPr lang="en-US" sz="1100">
+                <a:latin typeface="Consolas" panose="020B0609020204030204" pitchFamily="49" charset="0"/>
+              </a:rPr>
+              <a:t>	</a:t>
+            </a:r>
+            <a:r>
+              <a:rPr lang="en-US" sz="1100" smtClean="0">
+                <a:latin typeface="Consolas" panose="020B0609020204030204" pitchFamily="49" charset="0"/>
+              </a:rPr>
+              <a:t>	    r = </a:t>
+            </a:r>
+            <a:r>
+              <a:rPr lang="en-US" sz="1100" i="1" smtClean="0">
+                <a:latin typeface="Consolas" panose="020B0609020204030204" pitchFamily="49" charset="0"/>
+              </a:rPr>
+              <a:t>cor</a:t>
+            </a:r>
+            <a:r>
+              <a:rPr lang="en-US" sz="1100" smtClean="0">
+                <a:latin typeface="Consolas" panose="020B0609020204030204" pitchFamily="49" charset="0"/>
+              </a:rPr>
+              <a:t>(weight, mage, use = “pairwise.complete.obs”))</a:t>
+            </a:r>
+            <a:endParaRPr lang="en-US" sz="1100" smtClean="0">
+              <a:latin typeface="Consolas" panose="020B0609020204030204" pitchFamily="49" charset="0"/>
+            </a:endParaRPr>
+          </a:p>
+        </p:txBody>
+      </p:sp>
+      <p:sp>
+        <p:nvSpPr>
+          <p:cNvPr id="8" name="TextBox 7"/>
+          <p:cNvSpPr txBox="1"/>
+          <p:nvPr/>
+        </p:nvSpPr>
+        <p:spPr>
+          <a:xfrm>
+            <a:off x="2732451" y="2495650"/>
+            <a:ext cx="2811396" cy="415498"/>
           </a:xfrm>
           <a:prstGeom prst="rect">
             <a:avLst/>
@@ -5217,46 +5584,136 @@
           </a:bodyPr>
           <a:lstStyle/>
           <a:p>
-            <a:pPr marL="573088" indent="-285750">
-              <a:spcBef>
-                <a:spcPts val="600"/>
-              </a:spcBef>
-              <a:buFont typeface="Wingdings" panose="05000000000000000000" pitchFamily="2" charset="2"/>
-              <a:buChar char="Ø"/>
-              <a:tabLst>
-                <a:tab pos="573088" algn="l"/>
-              </a:tabLst>
-            </a:pPr>
-            <a:r>
-              <a:rPr lang="en-US" sz="1200" dirty="0"/>
-              <a:t>	Accuracy</a:t>
-            </a:r>
-          </a:p>
-          <a:p>
-            <a:pPr marL="573088" indent="-285750">
-              <a:buFont typeface="Wingdings" panose="05000000000000000000" pitchFamily="2" charset="2"/>
-              <a:buChar char="Ø"/>
-              <a:tabLst>
-                <a:tab pos="573088" algn="l"/>
-              </a:tabLst>
-            </a:pPr>
-            <a:r>
-              <a:rPr lang="en-US" sz="1200" dirty="0"/>
-              <a:t>	Computation time</a:t>
-            </a:r>
-          </a:p>
-          <a:p>
-            <a:pPr marL="573088" indent="-285750">
-              <a:buFont typeface="Wingdings" panose="05000000000000000000" pitchFamily="2" charset="2"/>
-              <a:buChar char="Ø"/>
-              <a:tabLst>
-                <a:tab pos="573088" algn="l"/>
-              </a:tabLst>
-            </a:pPr>
-            <a:r>
-              <a:rPr lang="en-US" sz="1200" dirty="0"/>
-              <a:t>	Interpretability</a:t>
-            </a:r>
+            <a:pPr algn="ctr"/>
+            <a:r>
+              <a:rPr lang="en-US" sz="1050" smtClean="0">
+                <a:solidFill>
+                  <a:srgbClr val="C00000"/>
+                </a:solidFill>
+                <a:latin typeface="Arial" panose="020B0604020202020204" pitchFamily="34" charset="0"/>
+                <a:cs typeface="Arial" panose="020B0604020202020204" pitchFamily="34" charset="0"/>
+              </a:rPr>
+              <a:t>correlation is symmetric – that is, the order of the variables does not matter</a:t>
+            </a:r>
+            <a:endParaRPr lang="en-US" sz="1050">
+              <a:solidFill>
+                <a:srgbClr val="C00000"/>
+              </a:solidFill>
+              <a:latin typeface="Arial" panose="020B0604020202020204" pitchFamily="34" charset="0"/>
+              <a:cs typeface="Arial" panose="020B0604020202020204" pitchFamily="34" charset="0"/>
+            </a:endParaRPr>
+          </a:p>
+        </p:txBody>
+      </p:sp>
+      <p:cxnSp>
+        <p:nvCxnSpPr>
+          <p:cNvPr id="9" name="Straight Arrow Connector 8"/>
+          <p:cNvCxnSpPr>
+            <a:stCxn id="8" idx="0"/>
+          </p:cNvCxnSpPr>
+          <p:nvPr/>
+        </p:nvCxnSpPr>
+        <p:spPr>
+          <a:xfrm flipH="1" flipV="1">
+            <a:off x="3854824" y="2187388"/>
+            <a:ext cx="283325" cy="308262"/>
+          </a:xfrm>
+          <a:prstGeom prst="straightConnector1">
+            <a:avLst/>
+          </a:prstGeom>
+          <a:ln w="9525" cap="flat" cmpd="sng" algn="ctr">
+            <a:solidFill>
+              <a:schemeClr val="accent1"/>
+            </a:solidFill>
+            <a:prstDash val="solid"/>
+            <a:round/>
+            <a:headEnd type="none" w="med" len="med"/>
+            <a:tailEnd type="arrow" w="med" len="med"/>
+          </a:ln>
+        </p:spPr>
+        <p:style>
+          <a:lnRef idx="0">
+            <a:scrgbClr r="0" g="0" b="0"/>
+          </a:lnRef>
+          <a:fillRef idx="0">
+            <a:scrgbClr r="0" g="0" b="0"/>
+          </a:fillRef>
+          <a:effectRef idx="0">
+            <a:scrgbClr r="0" g="0" b="0"/>
+          </a:effectRef>
+          <a:fontRef idx="minor">
+            <a:schemeClr val="tx1"/>
+          </a:fontRef>
+        </p:style>
+      </p:cxnSp>
+      <p:cxnSp>
+        <p:nvCxnSpPr>
+          <p:cNvPr id="11" name="Straight Arrow Connector 10"/>
+          <p:cNvCxnSpPr>
+            <a:stCxn id="8" idx="0"/>
+          </p:cNvCxnSpPr>
+          <p:nvPr/>
+        </p:nvCxnSpPr>
+        <p:spPr>
+          <a:xfrm flipV="1">
+            <a:off x="4138149" y="2169459"/>
+            <a:ext cx="135027" cy="326191"/>
+          </a:xfrm>
+          <a:prstGeom prst="straightConnector1">
+            <a:avLst/>
+          </a:prstGeom>
+          <a:ln w="9525" cap="flat" cmpd="sng" algn="ctr">
+            <a:solidFill>
+              <a:schemeClr val="accent1"/>
+            </a:solidFill>
+            <a:prstDash val="solid"/>
+            <a:round/>
+            <a:headEnd type="none" w="med" len="med"/>
+            <a:tailEnd type="arrow" w="med" len="med"/>
+          </a:ln>
+        </p:spPr>
+        <p:style>
+          <a:lnRef idx="0">
+            <a:scrgbClr r="0" g="0" b="0"/>
+          </a:lnRef>
+          <a:fillRef idx="0">
+            <a:scrgbClr r="0" g="0" b="0"/>
+          </a:fillRef>
+          <a:effectRef idx="0">
+            <a:scrgbClr r="0" g="0" b="0"/>
+          </a:effectRef>
+          <a:fontRef idx="minor">
+            <a:schemeClr val="tx1"/>
+          </a:fontRef>
+        </p:style>
+      </p:cxnSp>
+      <p:sp>
+        <p:nvSpPr>
+          <p:cNvPr id="14" name="TextBox 13"/>
+          <p:cNvSpPr txBox="1"/>
+          <p:nvPr/>
+        </p:nvSpPr>
+        <p:spPr>
+          <a:xfrm>
+            <a:off x="1371600" y="3011627"/>
+            <a:ext cx="9746766" cy="1754326"/>
+          </a:xfrm>
+          <a:prstGeom prst="rect">
+            <a:avLst/>
+          </a:prstGeom>
+          <a:noFill/>
+        </p:spPr>
+        <p:txBody>
+          <a:bodyPr wrap="square" rtlCol="0">
+            <a:spAutoFit/>
+          </a:bodyPr>
+          <a:lstStyle/>
+          <a:p>
+            <a:r>
+              <a:rPr lang="en-US" sz="1200" smtClean="0"/>
+              <a:t>The Anscombe dataset demonstrates why visualizing the dataset is critically important in conjuction with calculating statistics on the dataset.</a:t>
+            </a:r>
+            <a:endParaRPr lang="en-US" sz="1200" dirty="0"/>
           </a:p>
           <a:p>
             <a:pPr>
@@ -5273,17 +5730,560 @@
               </a:tabLst>
             </a:pPr>
             <a:r>
+              <a:rPr lang="en-US" sz="1200" smtClean="0"/>
+              <a:t>Statisticians have shown that people’s perception of the strength of a relationship can be influenced by design choices like the x and y axis.</a:t>
+            </a:r>
+            <a:endParaRPr lang="en-US" sz="1200" dirty="0"/>
+          </a:p>
+          <a:p>
+            <a:pPr>
+              <a:tabLst>
+                <a:tab pos="573088" algn="l"/>
+              </a:tabLst>
+            </a:pPr>
+            <a:r>
               <a:rPr lang="en-US" sz="1200" dirty="0"/>
-              <a:t>Accuracy and Error are basic performance measures for Classification </a:t>
-            </a:r>
-            <a:r>
-              <a:rPr lang="en-US" sz="1200" dirty="0" err="1"/>
-              <a:t>MLP</a:t>
+              <a:t>Its helpful to think of a scatterplot as a generalization of a side-by-side boxplot of the discretized explanatory </a:t>
+            </a:r>
+            <a:r>
+              <a:rPr lang="en-US" sz="1200"/>
+              <a:t>variable</a:t>
+            </a:r>
+            <a:r>
+              <a:rPr lang="en-US" sz="1200" smtClean="0"/>
+              <a:t>.</a:t>
+            </a:r>
+          </a:p>
+          <a:p>
+            <a:pPr>
+              <a:tabLst>
+                <a:tab pos="573088" algn="l"/>
+              </a:tabLst>
+            </a:pPr>
+            <a:endParaRPr lang="en-US" sz="1200"/>
+          </a:p>
+          <a:p>
+            <a:pPr>
+              <a:tabLst>
+                <a:tab pos="573088" algn="l"/>
+              </a:tabLst>
+            </a:pPr>
+            <a:r>
+              <a:rPr lang="en-US" sz="1200" smtClean="0"/>
+              <a:t>Remember: correlation suggests the presence or lack of association in a bivariate relationship, it does NOT imply causation.</a:t>
+            </a:r>
+          </a:p>
+          <a:p>
+            <a:pPr>
+              <a:tabLst>
+                <a:tab pos="573088" algn="l"/>
+              </a:tabLst>
+            </a:pPr>
+            <a:endParaRPr lang="en-US" sz="1200"/>
+          </a:p>
+          <a:p>
+            <a:pPr>
+              <a:tabLst>
+                <a:tab pos="573088" algn="l"/>
+              </a:tabLst>
+            </a:pPr>
+            <a:r>
+              <a:rPr lang="en-US" sz="1200" smtClean="0"/>
+              <a:t>Remarkable but non-sensical correlation is referred to as spurious correlation. Confounders are usually the culprit that leads to spurious correlation. Time and Space (geography) are classic confounding variables. Random noise can all lead to patterns with spurious correlation.</a:t>
             </a:r>
             <a:endParaRPr lang="en-US" sz="1200" dirty="0"/>
           </a:p>
         </p:txBody>
       </p:sp>
+      <p:sp>
+        <p:nvSpPr>
+          <p:cNvPr id="18" name="TextBox 17"/>
+          <p:cNvSpPr txBox="1"/>
+          <p:nvPr/>
+        </p:nvSpPr>
+        <p:spPr>
+          <a:xfrm>
+            <a:off x="5609371" y="2671334"/>
+            <a:ext cx="2191020" cy="253916"/>
+          </a:xfrm>
+          <a:prstGeom prst="rect">
+            <a:avLst/>
+          </a:prstGeom>
+          <a:noFill/>
+        </p:spPr>
+        <p:txBody>
+          <a:bodyPr wrap="square" rtlCol="0">
+            <a:spAutoFit/>
+          </a:bodyPr>
+          <a:lstStyle/>
+          <a:p>
+            <a:pPr algn="ctr"/>
+            <a:r>
+              <a:rPr lang="en-US" sz="1050" smtClean="0">
+                <a:solidFill>
+                  <a:srgbClr val="C00000"/>
+                </a:solidFill>
+                <a:latin typeface="Arial" panose="020B0604020202020204" pitchFamily="34" charset="0"/>
+                <a:cs typeface="Arial" panose="020B0604020202020204" pitchFamily="34" charset="0"/>
+              </a:rPr>
+              <a:t>used to deal with NAs in the data</a:t>
+            </a:r>
+            <a:endParaRPr lang="en-US" sz="1050">
+              <a:solidFill>
+                <a:srgbClr val="C00000"/>
+              </a:solidFill>
+              <a:latin typeface="Arial" panose="020B0604020202020204" pitchFamily="34" charset="0"/>
+              <a:cs typeface="Arial" panose="020B0604020202020204" pitchFamily="34" charset="0"/>
+            </a:endParaRPr>
+          </a:p>
+        </p:txBody>
+      </p:sp>
+      <p:cxnSp>
+        <p:nvCxnSpPr>
+          <p:cNvPr id="19" name="Straight Arrow Connector 18"/>
+          <p:cNvCxnSpPr>
+            <a:stCxn id="18" idx="0"/>
+          </p:cNvCxnSpPr>
+          <p:nvPr/>
+        </p:nvCxnSpPr>
+        <p:spPr>
+          <a:xfrm flipH="1" flipV="1">
+            <a:off x="6012329" y="2187388"/>
+            <a:ext cx="692552" cy="483946"/>
+          </a:xfrm>
+          <a:prstGeom prst="straightConnector1">
+            <a:avLst/>
+          </a:prstGeom>
+          <a:ln w="9525" cap="flat" cmpd="sng" algn="ctr">
+            <a:solidFill>
+              <a:schemeClr val="accent1"/>
+            </a:solidFill>
+            <a:prstDash val="solid"/>
+            <a:round/>
+            <a:headEnd type="none" w="med" len="med"/>
+            <a:tailEnd type="arrow" w="med" len="med"/>
+          </a:ln>
+        </p:spPr>
+        <p:style>
+          <a:lnRef idx="0">
+            <a:scrgbClr r="0" g="0" b="0"/>
+          </a:lnRef>
+          <a:fillRef idx="0">
+            <a:scrgbClr r="0" g="0" b="0"/>
+          </a:fillRef>
+          <a:effectRef idx="0">
+            <a:scrgbClr r="0" g="0" b="0"/>
+          </a:effectRef>
+          <a:fontRef idx="minor">
+            <a:schemeClr val="tx1"/>
+          </a:fontRef>
+        </p:style>
+      </p:cxnSp>
+      <p:grpSp>
+        <p:nvGrpSpPr>
+          <p:cNvPr id="23" name="Group 22"/>
+          <p:cNvGrpSpPr/>
+          <p:nvPr/>
+        </p:nvGrpSpPr>
+        <p:grpSpPr>
+          <a:xfrm>
+            <a:off x="1371600" y="4800418"/>
+            <a:ext cx="9746766" cy="369332"/>
+            <a:chOff x="1279822" y="3765833"/>
+            <a:chExt cx="9746766" cy="369332"/>
+          </a:xfrm>
+        </p:grpSpPr>
+        <p:cxnSp>
+          <p:nvCxnSpPr>
+            <p:cNvPr id="24" name="Straight Connector 23"/>
+            <p:cNvCxnSpPr>
+              <a:stCxn id="25" idx="3"/>
+            </p:cNvCxnSpPr>
+            <p:nvPr/>
+          </p:nvCxnSpPr>
+          <p:spPr>
+            <a:xfrm>
+              <a:off x="4567902" y="3950499"/>
+              <a:ext cx="6458686" cy="0"/>
+            </a:xfrm>
+            <a:prstGeom prst="line">
+              <a:avLst/>
+            </a:prstGeom>
+          </p:spPr>
+          <p:style>
+            <a:lnRef idx="1">
+              <a:schemeClr val="accent1"/>
+            </a:lnRef>
+            <a:fillRef idx="0">
+              <a:schemeClr val="accent1"/>
+            </a:fillRef>
+            <a:effectRef idx="0">
+              <a:schemeClr val="accent1"/>
+            </a:effectRef>
+            <a:fontRef idx="minor">
+              <a:schemeClr val="tx1"/>
+            </a:fontRef>
+          </p:style>
+        </p:cxnSp>
+        <p:sp>
+          <p:nvSpPr>
+            <p:cNvPr id="25" name="TextBox 24"/>
+            <p:cNvSpPr txBox="1"/>
+            <p:nvPr/>
+          </p:nvSpPr>
+          <p:spPr>
+            <a:xfrm>
+              <a:off x="1279822" y="3765833"/>
+              <a:ext cx="3288080" cy="369332"/>
+            </a:xfrm>
+            <a:prstGeom prst="rect">
+              <a:avLst/>
+            </a:prstGeom>
+            <a:noFill/>
+          </p:spPr>
+          <p:txBody>
+            <a:bodyPr wrap="none" rtlCol="0">
+              <a:spAutoFit/>
+            </a:bodyPr>
+            <a:lstStyle/>
+            <a:p>
+              <a:r>
+                <a:rPr lang="en-US" b="1" dirty="0">
+                  <a:solidFill>
+                    <a:srgbClr val="00B0F0"/>
+                  </a:solidFill>
+                </a:rPr>
+                <a:t>Applied </a:t>
+              </a:r>
+              <a:r>
+                <a:rPr lang="en-US" b="1">
+                  <a:solidFill>
+                    <a:srgbClr val="00B0F0"/>
+                  </a:solidFill>
+                </a:rPr>
+                <a:t>R </a:t>
+              </a:r>
+              <a:r>
+                <a:rPr lang="en-US" b="1" smtClean="0">
+                  <a:solidFill>
+                    <a:srgbClr val="00B0F0"/>
+                  </a:solidFill>
+                </a:rPr>
+                <a:t>(Spurious Correlation)</a:t>
+              </a:r>
+              <a:endParaRPr lang="en-US" b="1" dirty="0">
+                <a:solidFill>
+                  <a:srgbClr val="00B0F0"/>
+                </a:solidFill>
+              </a:endParaRPr>
+            </a:p>
+          </p:txBody>
+        </p:sp>
+      </p:grpSp>
+      <p:sp>
+        <p:nvSpPr>
+          <p:cNvPr id="26" name="TextBox 25"/>
+          <p:cNvSpPr txBox="1"/>
+          <p:nvPr/>
+        </p:nvSpPr>
+        <p:spPr>
+          <a:xfrm>
+            <a:off x="1598280" y="5169750"/>
+            <a:ext cx="6032421" cy="938719"/>
+          </a:xfrm>
+          <a:prstGeom prst="rect">
+            <a:avLst/>
+          </a:prstGeom>
+          <a:solidFill>
+            <a:schemeClr val="accent2">
+              <a:lumMod val="20000"/>
+              <a:lumOff val="80000"/>
+            </a:schemeClr>
+          </a:solidFill>
+        </p:spPr>
+        <p:txBody>
+          <a:bodyPr wrap="none" rtlCol="0">
+            <a:spAutoFit/>
+          </a:bodyPr>
+          <a:lstStyle/>
+          <a:p>
+            <a:r>
+              <a:rPr lang="en-US" sz="1100" i="1" smtClean="0">
+                <a:latin typeface="Consolas" panose="020B0609020204030204" pitchFamily="49" charset="0"/>
+              </a:rPr>
+              <a:t>ggplot</a:t>
+            </a:r>
+            <a:r>
+              <a:rPr lang="en-US" sz="1100" smtClean="0">
+                <a:latin typeface="Consolas" panose="020B0609020204030204" pitchFamily="49" charset="0"/>
+              </a:rPr>
+              <a:t>(noise, </a:t>
+            </a:r>
+            <a:r>
+              <a:rPr lang="en-US" sz="1100" i="1" smtClean="0">
+                <a:latin typeface="Consolas" panose="020B0609020204030204" pitchFamily="49" charset="0"/>
+              </a:rPr>
+              <a:t>aes</a:t>
+            </a:r>
+            <a:r>
+              <a:rPr lang="en-US" sz="1100" smtClean="0">
+                <a:latin typeface="Consolas" panose="020B0609020204030204" pitchFamily="49" charset="0"/>
+              </a:rPr>
+              <a:t>(x, y)) + </a:t>
+            </a:r>
+            <a:r>
+              <a:rPr lang="en-US" sz="1100" i="1" smtClean="0">
+                <a:latin typeface="Consolas" panose="020B0609020204030204" pitchFamily="49" charset="0"/>
+              </a:rPr>
+              <a:t>geom_point</a:t>
+            </a:r>
+            <a:r>
+              <a:rPr lang="en-US" sz="1100" smtClean="0">
+                <a:latin typeface="Consolas" panose="020B0609020204030204" pitchFamily="49" charset="0"/>
+              </a:rPr>
+              <a:t>() + </a:t>
+            </a:r>
+            <a:r>
+              <a:rPr lang="en-US" sz="1100" i="1" smtClean="0">
+                <a:latin typeface="Consolas" panose="020B0609020204030204" pitchFamily="49" charset="0"/>
+              </a:rPr>
+              <a:t>facet_warp</a:t>
+            </a:r>
+            <a:r>
+              <a:rPr lang="en-US" sz="1100" smtClean="0">
+                <a:latin typeface="Consolas" panose="020B0609020204030204" pitchFamily="49" charset="0"/>
+              </a:rPr>
+              <a:t>(~z)</a:t>
+            </a:r>
+          </a:p>
+          <a:p>
+            <a:endParaRPr lang="en-US" sz="1100">
+              <a:latin typeface="Consolas" panose="020B0609020204030204" pitchFamily="49" charset="0"/>
+            </a:endParaRPr>
+          </a:p>
+          <a:p>
+            <a:r>
+              <a:rPr lang="en-US" sz="1100" smtClean="0">
+                <a:latin typeface="Consolas" panose="020B0609020204030204" pitchFamily="49" charset="0"/>
+              </a:rPr>
+              <a:t>noise_summary &lt;- noise %&gt;% </a:t>
+            </a:r>
+            <a:r>
+              <a:rPr lang="en-US" sz="1100" i="1" smtClean="0">
+                <a:latin typeface="Consolas" panose="020B0609020204030204" pitchFamily="49" charset="0"/>
+              </a:rPr>
+              <a:t>group_by</a:t>
+            </a:r>
+            <a:r>
+              <a:rPr lang="en-US" sz="1100" smtClean="0">
+                <a:latin typeface="Consolas" panose="020B0609020204030204" pitchFamily="49" charset="0"/>
+              </a:rPr>
+              <a:t>(z) %&gt;% </a:t>
+            </a:r>
+            <a:r>
+              <a:rPr lang="en-US" sz="1100" i="1" smtClean="0">
+                <a:latin typeface="Consolas" panose="020B0609020204030204" pitchFamily="49" charset="0"/>
+              </a:rPr>
+              <a:t>summarise</a:t>
+            </a:r>
+            <a:r>
+              <a:rPr lang="en-US" sz="1100" smtClean="0">
+                <a:latin typeface="Consolas" panose="020B0609020204030204" pitchFamily="49" charset="0"/>
+              </a:rPr>
+              <a:t>(N = </a:t>
+            </a:r>
+            <a:r>
+              <a:rPr lang="en-US" sz="1100" i="1" smtClean="0">
+                <a:latin typeface="Consolas" panose="020B0609020204030204" pitchFamily="49" charset="0"/>
+              </a:rPr>
+              <a:t>n</a:t>
+            </a:r>
+            <a:r>
+              <a:rPr lang="en-US" sz="1100" smtClean="0">
+                <a:latin typeface="Consolas" panose="020B0609020204030204" pitchFamily="49" charset="0"/>
+              </a:rPr>
+              <a:t>(), r = </a:t>
+            </a:r>
+            <a:r>
+              <a:rPr lang="en-US" sz="1100" i="1" smtClean="0">
+                <a:latin typeface="Consolas" panose="020B0609020204030204" pitchFamily="49" charset="0"/>
+              </a:rPr>
+              <a:t>cor</a:t>
+            </a:r>
+            <a:r>
+              <a:rPr lang="en-US" sz="1100" smtClean="0">
+                <a:latin typeface="Consolas" panose="020B0609020204030204" pitchFamily="49" charset="0"/>
+              </a:rPr>
+              <a:t>(x, y))</a:t>
+            </a:r>
+          </a:p>
+          <a:p>
+            <a:endParaRPr lang="en-US" sz="1100">
+              <a:latin typeface="Consolas" panose="020B0609020204030204" pitchFamily="49" charset="0"/>
+            </a:endParaRPr>
+          </a:p>
+          <a:p>
+            <a:r>
+              <a:rPr lang="en-US" sz="1100" smtClean="0">
+                <a:latin typeface="Consolas" panose="020B0609020204030204" pitchFamily="49" charset="0"/>
+              </a:rPr>
+              <a:t>noise_summary %&gt;% </a:t>
+            </a:r>
+            <a:r>
+              <a:rPr lang="en-US" sz="1100" i="1" smtClean="0">
+                <a:latin typeface="Consolas" panose="020B0609020204030204" pitchFamily="49" charset="0"/>
+              </a:rPr>
+              <a:t>filter</a:t>
+            </a:r>
+            <a:r>
+              <a:rPr lang="en-US" sz="1100" smtClean="0">
+                <a:latin typeface="Consolas" panose="020B0609020204030204" pitchFamily="49" charset="0"/>
+              </a:rPr>
+              <a:t>(</a:t>
+            </a:r>
+            <a:r>
+              <a:rPr lang="en-US" sz="1100" i="1" smtClean="0">
+                <a:latin typeface="Consolas" panose="020B0609020204030204" pitchFamily="49" charset="0"/>
+              </a:rPr>
+              <a:t>abs</a:t>
+            </a:r>
+            <a:r>
+              <a:rPr lang="en-US" sz="1100" smtClean="0">
+                <a:latin typeface="Consolas" panose="020B0609020204030204" pitchFamily="49" charset="0"/>
+              </a:rPr>
+              <a:t>(r) &gt; 0.2)</a:t>
+            </a:r>
+            <a:endParaRPr lang="en-US" sz="1100" smtClean="0">
+              <a:latin typeface="Consolas" panose="020B0609020204030204" pitchFamily="49" charset="0"/>
+            </a:endParaRPr>
+          </a:p>
+        </p:txBody>
+      </p:sp>
+      <p:sp>
+        <p:nvSpPr>
+          <p:cNvPr id="27" name="TextBox 26"/>
+          <p:cNvSpPr txBox="1"/>
+          <p:nvPr/>
+        </p:nvSpPr>
+        <p:spPr>
+          <a:xfrm>
+            <a:off x="7722697" y="5350569"/>
+            <a:ext cx="3036141" cy="577081"/>
+          </a:xfrm>
+          <a:prstGeom prst="rect">
+            <a:avLst/>
+          </a:prstGeom>
+          <a:noFill/>
+        </p:spPr>
+        <p:txBody>
+          <a:bodyPr wrap="square" rtlCol="0">
+            <a:spAutoFit/>
+          </a:bodyPr>
+          <a:lstStyle/>
+          <a:p>
+            <a:pPr algn="ctr"/>
+            <a:r>
+              <a:rPr lang="en-US" sz="1050" smtClean="0">
+                <a:solidFill>
+                  <a:srgbClr val="C00000"/>
+                </a:solidFill>
+                <a:latin typeface="Arial" panose="020B0604020202020204" pitchFamily="34" charset="0"/>
+                <a:cs typeface="Arial" panose="020B0604020202020204" pitchFamily="34" charset="0"/>
+              </a:rPr>
+              <a:t>noise is a dataset containing 20 sets of 50 observations of x and y variables drawn at random from a standard normal distribution</a:t>
+            </a:r>
+            <a:endParaRPr lang="en-US" sz="1050">
+              <a:solidFill>
+                <a:srgbClr val="C00000"/>
+              </a:solidFill>
+              <a:latin typeface="Arial" panose="020B0604020202020204" pitchFamily="34" charset="0"/>
+              <a:cs typeface="Arial" panose="020B0604020202020204" pitchFamily="34" charset="0"/>
+            </a:endParaRPr>
+          </a:p>
+        </p:txBody>
+      </p:sp>
+      <p:sp>
+        <p:nvSpPr>
+          <p:cNvPr id="28" name="TextBox 27"/>
+          <p:cNvSpPr txBox="1"/>
+          <p:nvPr/>
+        </p:nvSpPr>
+        <p:spPr>
+          <a:xfrm>
+            <a:off x="1933934" y="6293134"/>
+            <a:ext cx="5696767" cy="415498"/>
+          </a:xfrm>
+          <a:prstGeom prst="rect">
+            <a:avLst/>
+          </a:prstGeom>
+          <a:noFill/>
+        </p:spPr>
+        <p:txBody>
+          <a:bodyPr wrap="square" rtlCol="0">
+            <a:spAutoFit/>
+          </a:bodyPr>
+          <a:lstStyle/>
+          <a:p>
+            <a:pPr algn="ctr"/>
+            <a:r>
+              <a:rPr lang="en-US" sz="1050" smtClean="0">
+                <a:solidFill>
+                  <a:srgbClr val="C00000"/>
+                </a:solidFill>
+                <a:latin typeface="Arial" panose="020B0604020202020204" pitchFamily="34" charset="0"/>
+                <a:cs typeface="Arial" panose="020B0604020202020204" pitchFamily="34" charset="0"/>
+              </a:rPr>
+              <a:t>you’ll always find non-trivial correlation, however, none of the 20 sets have observations with any causal link – this is a great demonstration of spurious correlation</a:t>
+            </a:r>
+            <a:endParaRPr lang="en-US" sz="1050">
+              <a:solidFill>
+                <a:srgbClr val="C00000"/>
+              </a:solidFill>
+              <a:latin typeface="Arial" panose="020B0604020202020204" pitchFamily="34" charset="0"/>
+              <a:cs typeface="Arial" panose="020B0604020202020204" pitchFamily="34" charset="0"/>
+            </a:endParaRPr>
+          </a:p>
+        </p:txBody>
+      </p:sp>
+      <p:cxnSp>
+        <p:nvCxnSpPr>
+          <p:cNvPr id="29" name="Straight Arrow Connector 28"/>
+          <p:cNvCxnSpPr/>
+          <p:nvPr/>
+        </p:nvCxnSpPr>
+        <p:spPr>
+          <a:xfrm flipH="1" flipV="1">
+            <a:off x="3445597" y="6051161"/>
+            <a:ext cx="86497" cy="241973"/>
+          </a:xfrm>
+          <a:prstGeom prst="straightConnector1">
+            <a:avLst/>
+          </a:prstGeom>
+          <a:ln w="9525" cap="flat" cmpd="sng" algn="ctr">
+            <a:solidFill>
+              <a:schemeClr val="accent1"/>
+            </a:solidFill>
+            <a:prstDash val="solid"/>
+            <a:round/>
+            <a:headEnd type="none" w="med" len="med"/>
+            <a:tailEnd type="arrow" w="med" len="med"/>
+          </a:ln>
+        </p:spPr>
+        <p:style>
+          <a:lnRef idx="0">
+            <a:scrgbClr r="0" g="0" b="0"/>
+          </a:lnRef>
+          <a:fillRef idx="0">
+            <a:scrgbClr r="0" g="0" b="0"/>
+          </a:fillRef>
+          <a:effectRef idx="0">
+            <a:scrgbClr r="0" g="0" b="0"/>
+          </a:effectRef>
+          <a:fontRef idx="minor">
+            <a:schemeClr val="tx1"/>
+          </a:fontRef>
+        </p:style>
+      </p:cxnSp>
     </p:spTree>
     <p:extLst>
       <p:ext uri="{BB962C8B-B14F-4D97-AF65-F5344CB8AC3E}">
@@ -5300,6 +6300,14 @@
 <file path=ppt/slides/slide5.xml><?xml version="1.0" encoding="utf-8"?>
 <p:sld xmlns:a="http://schemas.openxmlformats.org/drawingml/2006/main" xmlns:r="http://schemas.openxmlformats.org/officeDocument/2006/relationships" xmlns:p="http://schemas.openxmlformats.org/presentationml/2006/main">
   <p:cSld>
+    <p:bg>
+      <p:bgPr>
+        <a:solidFill>
+          <a:schemeClr val="bg1"/>
+        </a:solidFill>
+        <a:effectLst/>
+      </p:bgPr>
+    </p:bg>
     <p:spTree>
       <p:nvGrpSpPr>
         <p:cNvPr id="1" name=""/>
@@ -6129,6 +7137,14 @@
 <file path=ppt/slides/slide6.xml><?xml version="1.0" encoding="utf-8"?>
 <p:sld xmlns:a="http://schemas.openxmlformats.org/drawingml/2006/main" xmlns:r="http://schemas.openxmlformats.org/officeDocument/2006/relationships" xmlns:p="http://schemas.openxmlformats.org/presentationml/2006/main">
   <p:cSld>
+    <p:bg>
+      <p:bgPr>
+        <a:solidFill>
+          <a:schemeClr val="bg1"/>
+        </a:solidFill>
+        <a:effectLst/>
+      </p:bgPr>
+    </p:bg>
     <p:spTree>
       <p:nvGrpSpPr>
         <p:cNvPr id="1" name=""/>
@@ -6357,6 +7373,14 @@
 <file path=ppt/slides/slide7.xml><?xml version="1.0" encoding="utf-8"?>
 <p:sld xmlns:a="http://schemas.openxmlformats.org/drawingml/2006/main" xmlns:r="http://schemas.openxmlformats.org/officeDocument/2006/relationships" xmlns:p="http://schemas.openxmlformats.org/presentationml/2006/main">
   <p:cSld>
+    <p:bg>
+      <p:bgPr>
+        <a:solidFill>
+          <a:schemeClr val="bg1"/>
+        </a:solidFill>
+        <a:effectLst/>
+      </p:bgPr>
+    </p:bg>
     <p:spTree>
       <p:nvGrpSpPr>
         <p:cNvPr id="1" name=""/>

--- a/Correlation-and-Regression/Correlation and Regression.pptx
+++ b/Correlation-and-Regression/Correlation and Regression.pptx
@@ -299,7 +299,7 @@
             <a:fld id="{B61BEF0D-F0BB-DE4B-95CE-6DB70DBA9567}" type="datetimeFigureOut">
               <a:rPr lang="en-US" smtClean="0"/>
               <a:pPr/>
-              <a:t>3/20/2019</a:t>
+              <a:t>3/21/2019</a:t>
             </a:fld>
             <a:endParaRPr lang="en-US" dirty="0"/>
           </a:p>
@@ -631,7 +631,7 @@
             <a:fld id="{B61BEF0D-F0BB-DE4B-95CE-6DB70DBA9567}" type="datetimeFigureOut">
               <a:rPr lang="en-US" smtClean="0"/>
               <a:pPr/>
-              <a:t>3/20/2019</a:t>
+              <a:t>3/21/2019</a:t>
             </a:fld>
             <a:endParaRPr lang="en-US" dirty="0"/>
           </a:p>
@@ -813,7 +813,7 @@
             <a:fld id="{B61BEF0D-F0BB-DE4B-95CE-6DB70DBA9567}" type="datetimeFigureOut">
               <a:rPr lang="en-US" smtClean="0"/>
               <a:pPr/>
-              <a:t>3/20/2019</a:t>
+              <a:t>3/21/2019</a:t>
             </a:fld>
             <a:endParaRPr lang="en-US" dirty="0"/>
           </a:p>
@@ -985,7 +985,7 @@
             <a:fld id="{B61BEF0D-F0BB-DE4B-95CE-6DB70DBA9567}" type="datetimeFigureOut">
               <a:rPr lang="en-US" smtClean="0"/>
               <a:pPr/>
-              <a:t>3/20/2019</a:t>
+              <a:t>3/21/2019</a:t>
             </a:fld>
             <a:endParaRPr lang="en-US" dirty="0"/>
           </a:p>
@@ -1264,7 +1264,7 @@
             <a:fld id="{B61BEF0D-F0BB-DE4B-95CE-6DB70DBA9567}" type="datetimeFigureOut">
               <a:rPr lang="en-US" smtClean="0"/>
               <a:pPr/>
-              <a:t>3/20/2019</a:t>
+              <a:t>3/21/2019</a:t>
             </a:fld>
             <a:endParaRPr lang="en-US" dirty="0"/>
           </a:p>
@@ -1660,7 +1660,7 @@
             <a:fld id="{B61BEF0D-F0BB-DE4B-95CE-6DB70DBA9567}" type="datetimeFigureOut">
               <a:rPr lang="en-US" smtClean="0"/>
               <a:pPr/>
-              <a:t>3/20/2019</a:t>
+              <a:t>3/21/2019</a:t>
             </a:fld>
             <a:endParaRPr lang="en-US" dirty="0"/>
           </a:p>
@@ -2139,7 +2139,7 @@
             <a:fld id="{B61BEF0D-F0BB-DE4B-95CE-6DB70DBA9567}" type="datetimeFigureOut">
               <a:rPr lang="en-US" smtClean="0"/>
               <a:pPr/>
-              <a:t>3/20/2019</a:t>
+              <a:t>3/21/2019</a:t>
             </a:fld>
             <a:endParaRPr lang="en-US" dirty="0"/>
           </a:p>
@@ -2259,7 +2259,7 @@
             <a:fld id="{B61BEF0D-F0BB-DE4B-95CE-6DB70DBA9567}" type="datetimeFigureOut">
               <a:rPr lang="en-US" smtClean="0"/>
               <a:pPr/>
-              <a:t>3/20/2019</a:t>
+              <a:t>3/21/2019</a:t>
             </a:fld>
             <a:endParaRPr lang="en-US" dirty="0"/>
           </a:p>
@@ -2356,7 +2356,7 @@
             <a:fld id="{B61BEF0D-F0BB-DE4B-95CE-6DB70DBA9567}" type="datetimeFigureOut">
               <a:rPr lang="en-US" smtClean="0"/>
               <a:pPr/>
-              <a:t>3/20/2019</a:t>
+              <a:t>3/21/2019</a:t>
             </a:fld>
             <a:endParaRPr lang="en-US" dirty="0"/>
           </a:p>
@@ -2704,7 +2704,7 @@
             <a:fld id="{B61BEF0D-F0BB-DE4B-95CE-6DB70DBA9567}" type="datetimeFigureOut">
               <a:rPr lang="en-US" smtClean="0"/>
               <a:pPr/>
-              <a:t>3/20/2019</a:t>
+              <a:t>3/21/2019</a:t>
             </a:fld>
             <a:endParaRPr lang="en-US" dirty="0"/>
           </a:p>
@@ -3094,7 +3094,7 @@
             <a:fld id="{B61BEF0D-F0BB-DE4B-95CE-6DB70DBA9567}" type="datetimeFigureOut">
               <a:rPr lang="en-US" smtClean="0"/>
               <a:pPr/>
-              <a:t>3/20/2019</a:t>
+              <a:t>3/21/2019</a:t>
             </a:fld>
             <a:endParaRPr lang="en-US" dirty="0"/>
           </a:p>
@@ -3374,7 +3374,7 @@
             <a:fld id="{B61BEF0D-F0BB-DE4B-95CE-6DB70DBA9567}" type="datetimeFigureOut">
               <a:rPr lang="en-US" smtClean="0"/>
               <a:pPr/>
-              <a:t>3/20/2019</a:t>
+              <a:t>3/21/2019</a:t>
             </a:fld>
             <a:endParaRPr lang="en-US" dirty="0"/>
           </a:p>
@@ -4758,13 +4758,8 @@
             </a:pPr>
             <a:r>
               <a:rPr lang="en-US" sz="1200" smtClean="0"/>
-              <a:t>Strength		how much scatter or </a:t>
-            </a:r>
-            <a:r>
-              <a:rPr lang="en-US" sz="1200" smtClean="0"/>
-              <a:t>noise; quantified by the correlation coefficient</a:t>
-            </a:r>
-            <a:endParaRPr lang="en-US" sz="1200" smtClean="0"/>
+              <a:t>Strength		how much scatter or noise; quantified by the correlation coefficient</a:t>
+            </a:r>
           </a:p>
           <a:p>
             <a:pPr marL="573088" indent="-285750">
@@ -5556,9 +5551,6 @@
               </a:rPr>
               <a:t>(weight, mage, use = “pairwise.complete.obs”))</a:t>
             </a:r>
-            <a:endParaRPr lang="en-US" sz="1100" smtClean="0">
-              <a:latin typeface="Consolas" panose="020B0609020204030204" pitchFamily="49" charset="0"/>
-            </a:endParaRPr>
           </a:p>
         </p:txBody>
       </p:sp>
@@ -6153,9 +6145,6 @@
               </a:rPr>
               <a:t>(r) &gt; 0.2)</a:t>
             </a:r>
-            <a:endParaRPr lang="en-US" sz="1100" smtClean="0">
-              <a:latin typeface="Consolas" panose="020B0609020204030204" pitchFamily="49" charset="0"/>
-            </a:endParaRPr>
           </a:p>
         </p:txBody>
       </p:sp>
@@ -6322,68 +6311,6 @@
           <a:chExt cx="0" cy="0"/>
         </a:xfrm>
       </p:grpSpPr>
-      <p:pic>
-        <p:nvPicPr>
-          <p:cNvPr id="13" name="Picture 12"/>
-          <p:cNvPicPr>
-            <a:picLocks noChangeAspect="1"/>
-          </p:cNvPicPr>
-          <p:nvPr/>
-        </p:nvPicPr>
-        <p:blipFill>
-          <a:blip r:embed="rId2"/>
-          <a:stretch>
-            <a:fillRect/>
-          </a:stretch>
-        </p:blipFill>
-        <p:spPr>
-          <a:xfrm>
-            <a:off x="1410487" y="3277452"/>
-            <a:ext cx="1421945" cy="1978621"/>
-          </a:xfrm>
-          <a:prstGeom prst="rect">
-            <a:avLst/>
-          </a:prstGeom>
-        </p:spPr>
-      </p:pic>
-      <p:cxnSp>
-        <p:nvCxnSpPr>
-          <p:cNvPr id="18" name="Elbow Connector 17"/>
-          <p:cNvCxnSpPr>
-            <a:stCxn id="21" idx="0"/>
-            <a:endCxn id="19" idx="0"/>
-          </p:cNvCxnSpPr>
-          <p:nvPr/>
-        </p:nvCxnSpPr>
-        <p:spPr>
-          <a:xfrm rot="16200000" flipH="1">
-            <a:off x="3564141" y="2036438"/>
-            <a:ext cx="389671" cy="2860542"/>
-          </a:xfrm>
-          <a:prstGeom prst="bentConnector3">
-            <a:avLst>
-              <a:gd name="adj1" fmla="val -29524"/>
-            </a:avLst>
-          </a:prstGeom>
-          <a:ln>
-            <a:tailEnd type="triangle"/>
-          </a:ln>
-        </p:spPr>
-        <p:style>
-          <a:lnRef idx="1">
-            <a:schemeClr val="accent1"/>
-          </a:lnRef>
-          <a:fillRef idx="0">
-            <a:schemeClr val="accent1"/>
-          </a:fillRef>
-          <a:effectRef idx="0">
-            <a:schemeClr val="accent1"/>
-          </a:effectRef>
-          <a:fontRef idx="minor">
-            <a:schemeClr val="tx1"/>
-          </a:fontRef>
-        </p:style>
-      </p:cxnSp>
       <p:sp>
         <p:nvSpPr>
           <p:cNvPr id="2" name="Title 1"/>
@@ -6407,11 +6334,14 @@
           <a:lstStyle/>
           <a:p>
             <a:r>
-              <a:rPr lang="en-US">
+              <a:rPr lang="en-US" smtClean="0">
                 <a:latin typeface="Arial Rounded MT Bold" panose="020F0704030504030204" pitchFamily="34" charset="0"/>
               </a:rPr>
-              <a:t>Classification</a:t>
-            </a:r>
+              <a:t>Simple Linear Regression</a:t>
+            </a:r>
+            <a:endParaRPr lang="en-US">
+              <a:latin typeface="Arial Rounded MT Bold" panose="020F0704030504030204" pitchFamily="34" charset="0"/>
+            </a:endParaRPr>
           </a:p>
         </p:txBody>
       </p:sp>
@@ -6424,7 +6354,7 @@
         <p:spPr>
           <a:xfrm>
             <a:off x="1371600" y="1380565"/>
-            <a:ext cx="9075271" cy="1200329"/>
+            <a:ext cx="9075271" cy="276999"/>
           </a:xfrm>
           <a:prstGeom prst="rect">
             <a:avLst/>
@@ -6438,86 +6368,10 @@
           <a:lstStyle/>
           <a:p>
             <a:r>
-              <a:rPr lang="en-US" sz="1200"/>
-              <a:t>Classification MLP attempt to predict the category of a new observation.</a:t>
-            </a:r>
-          </a:p>
-          <a:p>
-            <a:pPr>
-              <a:tabLst>
-                <a:tab pos="573088" algn="l"/>
-              </a:tabLst>
-            </a:pPr>
+              <a:rPr lang="en-US" sz="1200" smtClean="0"/>
+              <a:t>The “best-fit” line that cuts through the data in a way that minimizes the distance between the line and the data points.</a:t>
+            </a:r>
             <a:endParaRPr lang="en-US" sz="1200"/>
-          </a:p>
-          <a:p>
-            <a:pPr>
-              <a:tabLst>
-                <a:tab pos="573088" algn="l"/>
-              </a:tabLst>
-            </a:pPr>
-            <a:r>
-              <a:rPr lang="en-US" sz="1200"/>
-              <a:t>Earlier Observations are used to </a:t>
-            </a:r>
-            <a:r>
-              <a:rPr lang="en-US" sz="1200" i="1"/>
-              <a:t>estimate</a:t>
-            </a:r>
-            <a:r>
-              <a:rPr lang="en-US" sz="1200"/>
-              <a:t> a </a:t>
-            </a:r>
-            <a:r>
-              <a:rPr lang="en-US" sz="1200" b="1"/>
-              <a:t>Classifier</a:t>
-            </a:r>
-          </a:p>
-          <a:p>
-            <a:pPr>
-              <a:tabLst>
-                <a:tab pos="573088" algn="l"/>
-              </a:tabLst>
-            </a:pPr>
-            <a:r>
-              <a:rPr lang="en-US" sz="1200"/>
-              <a:t>The classifier is then used to label a new observation with a </a:t>
-            </a:r>
-            <a:r>
-              <a:rPr lang="en-US" sz="1200" b="1"/>
-              <a:t>Class</a:t>
-            </a:r>
-          </a:p>
-          <a:p>
-            <a:pPr>
-              <a:tabLst>
-                <a:tab pos="573088" algn="l"/>
-              </a:tabLst>
-            </a:pPr>
-            <a:endParaRPr lang="en-US" sz="1200"/>
-          </a:p>
-          <a:p>
-            <a:pPr>
-              <a:tabLst>
-                <a:tab pos="573088" algn="l"/>
-              </a:tabLst>
-            </a:pPr>
-            <a:r>
-              <a:rPr lang="en-US" sz="1200"/>
-              <a:t>Classes are </a:t>
-            </a:r>
-            <a:r>
-              <a:rPr lang="en-US" sz="1200" i="1"/>
-              <a:t>qualitative </a:t>
-            </a:r>
-            <a:r>
-              <a:rPr lang="en-US" sz="1200"/>
-              <a:t>and </a:t>
-            </a:r>
-            <a:r>
-              <a:rPr lang="en-US" sz="1200" i="1"/>
-              <a:t>predefined</a:t>
-            </a:r>
           </a:p>
         </p:txBody>
       </p:sp>
@@ -6529,7 +6383,7 @@
         </p:nvGrpSpPr>
         <p:grpSpPr>
           <a:xfrm>
-            <a:off x="1371600" y="2704158"/>
+            <a:off x="1371600" y="2084800"/>
             <a:ext cx="9746766" cy="369332"/>
             <a:chOff x="1279822" y="3765833"/>
             <a:chExt cx="9746766" cy="369332"/>
@@ -6545,8 +6399,8 @@
           </p:nvCxnSpPr>
           <p:spPr>
             <a:xfrm>
-              <a:off x="5097470" y="3950499"/>
-              <a:ext cx="5929118" cy="0"/>
+              <a:off x="5239560" y="3950499"/>
+              <a:ext cx="5787028" cy="0"/>
             </a:xfrm>
             <a:prstGeom prst="line">
               <a:avLst/>
@@ -6576,7 +6430,7 @@
           <p:spPr>
             <a:xfrm>
               <a:off x="1279822" y="3765833"/>
-              <a:ext cx="3817648" cy="369332"/>
+              <a:ext cx="3959738" cy="369332"/>
             </a:xfrm>
             <a:prstGeom prst="rect">
               <a:avLst/>
@@ -6595,529 +6449,194 @@
                     <a:srgbClr val="00B0F0"/>
                   </a:solidFill>
                 </a:rPr>
-                <a:t>Applied R (Classification: Filter Spam)</a:t>
+                <a:t>Applied R </a:t>
               </a:r>
+              <a:r>
+                <a:rPr lang="en-US" b="1" smtClean="0">
+                  <a:solidFill>
+                    <a:srgbClr val="00B0F0"/>
+                  </a:solidFill>
+                </a:rPr>
+                <a:t>(Visualizing the Best-Fit Line)</a:t>
+              </a:r>
+              <a:endParaRPr lang="en-US" b="1">
+                <a:solidFill>
+                  <a:srgbClr val="00B0F0"/>
+                </a:solidFill>
+              </a:endParaRPr>
             </a:p>
           </p:txBody>
         </p:sp>
       </p:grpSp>
       <p:sp>
         <p:nvSpPr>
-          <p:cNvPr id="9" name="TextBox 8"/>
+          <p:cNvPr id="23" name="TextBox 22"/>
           <p:cNvSpPr txBox="1"/>
           <p:nvPr/>
         </p:nvSpPr>
         <p:spPr>
           <a:xfrm>
-            <a:off x="2622735" y="5814894"/>
-            <a:ext cx="899875" cy="577081"/>
+            <a:off x="1598280" y="2454132"/>
+            <a:ext cx="3647152" cy="600164"/>
           </a:xfrm>
           <a:prstGeom prst="rect">
             <a:avLst/>
           </a:prstGeom>
-          <a:noFill/>
-        </p:spPr>
-        <p:txBody>
-          <a:bodyPr wrap="square" rtlCol="0">
+          <a:solidFill>
+            <a:schemeClr val="accent2">
+              <a:lumMod val="20000"/>
+              <a:lumOff val="80000"/>
+            </a:schemeClr>
+          </a:solidFill>
+        </p:spPr>
+        <p:txBody>
+          <a:bodyPr wrap="none" rtlCol="0">
             <a:spAutoFit/>
           </a:bodyPr>
           <a:lstStyle/>
           <a:p>
-            <a:pPr algn="ctr"/>
-            <a:r>
-              <a:rPr lang="en-US" sz="1050">
-                <a:solidFill>
-                  <a:srgbClr val="C00000"/>
-                </a:solidFill>
-                <a:latin typeface="Arial" panose="020B0604020202020204" pitchFamily="34" charset="0"/>
-                <a:cs typeface="Arial" panose="020B0604020202020204" pitchFamily="34" charset="0"/>
-              </a:rPr>
-              <a:t>label on observed data</a:t>
-            </a:r>
-          </a:p>
-        </p:txBody>
-      </p:sp>
-      <p:cxnSp>
-        <p:nvCxnSpPr>
-          <p:cNvPr id="10" name="Straight Arrow Connector 9"/>
-          <p:cNvCxnSpPr>
-            <a:stCxn id="9" idx="0"/>
-          </p:cNvCxnSpPr>
-          <p:nvPr/>
-        </p:nvCxnSpPr>
-        <p:spPr>
-          <a:xfrm flipH="1" flipV="1">
-            <a:off x="2778643" y="5285958"/>
-            <a:ext cx="294030" cy="528936"/>
-          </a:xfrm>
-          <a:prstGeom prst="straightConnector1">
-            <a:avLst/>
-          </a:prstGeom>
-          <a:ln>
-            <a:tailEnd type="triangle"/>
-          </a:ln>
-        </p:spPr>
-        <p:style>
-          <a:lnRef idx="1">
-            <a:schemeClr val="accent1"/>
-          </a:lnRef>
-          <a:fillRef idx="0">
-            <a:schemeClr val="accent1"/>
-          </a:fillRef>
-          <a:effectRef idx="0">
-            <a:schemeClr val="accent1"/>
-          </a:effectRef>
-          <a:fontRef idx="minor">
-            <a:schemeClr val="tx1"/>
-          </a:fontRef>
-        </p:style>
-      </p:cxnSp>
-      <p:sp>
-        <p:nvSpPr>
-          <p:cNvPr id="11" name="TextBox 10"/>
-          <p:cNvSpPr txBox="1"/>
-          <p:nvPr/>
-        </p:nvSpPr>
-        <p:spPr>
-          <a:xfrm>
-            <a:off x="1428831" y="5878308"/>
-            <a:ext cx="899875" cy="415498"/>
-          </a:xfrm>
-          <a:prstGeom prst="rect">
-            <a:avLst/>
-          </a:prstGeom>
-          <a:noFill/>
-        </p:spPr>
-        <p:txBody>
-          <a:bodyPr wrap="square" rtlCol="0">
-            <a:spAutoFit/>
-          </a:bodyPr>
-          <a:lstStyle/>
-          <a:p>
-            <a:pPr algn="ctr"/>
-            <a:r>
-              <a:rPr lang="en-US" sz="1050">
-                <a:solidFill>
-                  <a:srgbClr val="C00000"/>
-                </a:solidFill>
-                <a:latin typeface="Arial" panose="020B0604020202020204" pitchFamily="34" charset="0"/>
-                <a:cs typeface="Arial" panose="020B0604020202020204" pitchFamily="34" charset="0"/>
-              </a:rPr>
-              <a:t>feature vector</a:t>
-            </a:r>
-          </a:p>
-        </p:txBody>
-      </p:sp>
-      <p:cxnSp>
-        <p:nvCxnSpPr>
-          <p:cNvPr id="12" name="Straight Arrow Connector 11"/>
-          <p:cNvCxnSpPr>
-            <a:stCxn id="11" idx="0"/>
-          </p:cNvCxnSpPr>
-          <p:nvPr/>
-        </p:nvCxnSpPr>
-        <p:spPr>
-          <a:xfrm flipV="1">
-            <a:off x="1878769" y="5285958"/>
-            <a:ext cx="480021" cy="592350"/>
-          </a:xfrm>
-          <a:prstGeom prst="straightConnector1">
-            <a:avLst/>
-          </a:prstGeom>
-          <a:ln>
-            <a:tailEnd type="triangle"/>
-          </a:ln>
-        </p:spPr>
-        <p:style>
-          <a:lnRef idx="1">
-            <a:schemeClr val="accent1"/>
-          </a:lnRef>
-          <a:fillRef idx="0">
-            <a:schemeClr val="accent1"/>
-          </a:fillRef>
-          <a:effectRef idx="0">
-            <a:schemeClr val="accent1"/>
-          </a:effectRef>
-          <a:fontRef idx="minor">
-            <a:schemeClr val="tx1"/>
-          </a:fontRef>
-        </p:style>
-      </p:cxnSp>
-      <p:pic>
-        <p:nvPicPr>
-          <p:cNvPr id="15" name="Picture 14"/>
-          <p:cNvPicPr>
-            <a:picLocks noChangeAspect="1"/>
-          </p:cNvPicPr>
-          <p:nvPr/>
-        </p:nvPicPr>
-        <p:blipFill>
-          <a:blip r:embed="rId3"/>
-          <a:stretch>
-            <a:fillRect/>
-          </a:stretch>
-        </p:blipFill>
-        <p:spPr>
-          <a:xfrm>
-            <a:off x="3478306" y="3661545"/>
-            <a:ext cx="3527238" cy="1210434"/>
-          </a:xfrm>
-          <a:prstGeom prst="rect">
-            <a:avLst/>
-          </a:prstGeom>
-        </p:spPr>
-      </p:pic>
-      <p:sp>
-        <p:nvSpPr>
-          <p:cNvPr id="16" name="TextBox 15"/>
-          <p:cNvSpPr txBox="1"/>
-          <p:nvPr/>
-        </p:nvSpPr>
-        <p:spPr>
-          <a:xfrm>
-            <a:off x="4791987" y="4871979"/>
-            <a:ext cx="899875" cy="253916"/>
-          </a:xfrm>
-          <a:prstGeom prst="rect">
-            <a:avLst/>
-          </a:prstGeom>
-          <a:noFill/>
-        </p:spPr>
-        <p:txBody>
-          <a:bodyPr wrap="square" rtlCol="0">
-            <a:spAutoFit/>
-          </a:bodyPr>
-          <a:lstStyle/>
-          <a:p>
-            <a:pPr algn="ctr"/>
-            <a:r>
-              <a:rPr lang="en-US" sz="1050">
-                <a:solidFill>
-                  <a:srgbClr val="C00000"/>
-                </a:solidFill>
-                <a:latin typeface="Arial" panose="020B0604020202020204" pitchFamily="34" charset="0"/>
-                <a:cs typeface="Arial" panose="020B0604020202020204" pitchFamily="34" charset="0"/>
-              </a:rPr>
-              <a:t>Classifier</a:t>
-            </a:r>
-          </a:p>
-        </p:txBody>
-      </p:sp>
-      <p:sp>
-        <p:nvSpPr>
-          <p:cNvPr id="19" name="Rectangle 18"/>
-          <p:cNvSpPr/>
-          <p:nvPr/>
-        </p:nvSpPr>
-        <p:spPr>
-          <a:xfrm>
-            <a:off x="5048801" y="3661545"/>
-            <a:ext cx="280894" cy="225467"/>
-          </a:xfrm>
-          <a:prstGeom prst="rect">
-            <a:avLst/>
-          </a:prstGeom>
-          <a:noFill/>
-          <a:ln>
-            <a:noFill/>
-          </a:ln>
-        </p:spPr>
-        <p:style>
-          <a:lnRef idx="2">
-            <a:schemeClr val="accent1">
-              <a:shade val="50000"/>
-            </a:schemeClr>
-          </a:lnRef>
-          <a:fillRef idx="1">
-            <a:schemeClr val="accent1"/>
-          </a:fillRef>
-          <a:effectRef idx="0">
-            <a:schemeClr val="accent1"/>
-          </a:effectRef>
-          <a:fontRef idx="minor">
-            <a:schemeClr val="lt1"/>
-          </a:fontRef>
-        </p:style>
-        <p:txBody>
-          <a:bodyPr rtlCol="0" anchor="ctr"/>
-          <a:lstStyle/>
-          <a:p>
-            <a:pPr algn="ctr"/>
-            <a:endParaRPr lang="en-US">
-              <a:solidFill>
-                <a:sysClr val="windowText" lastClr="000000"/>
-              </a:solidFill>
+            <a:r>
+              <a:rPr lang="en-US" sz="1100" i="1" dirty="0" err="1">
+                <a:latin typeface="Consolas" panose="020B0609020204030204" pitchFamily="49" charset="0"/>
+              </a:rPr>
+              <a:t>ggplot</a:t>
+            </a:r>
+            <a:r>
+              <a:rPr lang="en-US" sz="1100" dirty="0">
+                <a:latin typeface="Consolas" panose="020B0609020204030204" pitchFamily="49" charset="0"/>
+              </a:rPr>
+              <a:t>(data </a:t>
+            </a:r>
+            <a:r>
+              <a:rPr lang="en-US" sz="1100">
+                <a:latin typeface="Consolas" panose="020B0609020204030204" pitchFamily="49" charset="0"/>
+              </a:rPr>
+              <a:t>= </a:t>
+            </a:r>
+            <a:r>
+              <a:rPr lang="en-US" sz="1100" smtClean="0">
+                <a:latin typeface="Consolas" panose="020B0609020204030204" pitchFamily="49" charset="0"/>
+              </a:rPr>
+              <a:t>bdims</a:t>
+            </a:r>
+            <a:r>
+              <a:rPr lang="en-US" sz="1100" smtClean="0">
+                <a:latin typeface="Consolas" panose="020B0609020204030204" pitchFamily="49" charset="0"/>
+              </a:rPr>
+              <a:t>, </a:t>
+            </a:r>
+            <a:r>
+              <a:rPr lang="en-US" sz="1100" i="1" dirty="0" err="1">
+                <a:latin typeface="Consolas" panose="020B0609020204030204" pitchFamily="49" charset="0"/>
+              </a:rPr>
+              <a:t>aes</a:t>
+            </a:r>
+            <a:r>
+              <a:rPr lang="en-US" sz="1100" dirty="0">
+                <a:latin typeface="Consolas" panose="020B0609020204030204" pitchFamily="49" charset="0"/>
+              </a:rPr>
+              <a:t>(y </a:t>
+            </a:r>
+            <a:r>
+              <a:rPr lang="en-US" sz="1100">
+                <a:latin typeface="Consolas" panose="020B0609020204030204" pitchFamily="49" charset="0"/>
+              </a:rPr>
+              <a:t>= </a:t>
+            </a:r>
+            <a:r>
+              <a:rPr lang="en-US" sz="1100" smtClean="0">
+                <a:latin typeface="Consolas" panose="020B0609020204030204" pitchFamily="49" charset="0"/>
+              </a:rPr>
+              <a:t>wgt, </a:t>
+            </a:r>
+            <a:r>
+              <a:rPr lang="en-US" sz="1100" dirty="0">
+                <a:latin typeface="Consolas" panose="020B0609020204030204" pitchFamily="49" charset="0"/>
+              </a:rPr>
+              <a:t>x </a:t>
+            </a:r>
+            <a:r>
+              <a:rPr lang="en-US" sz="1100">
+                <a:latin typeface="Consolas" panose="020B0609020204030204" pitchFamily="49" charset="0"/>
+              </a:rPr>
+              <a:t>= </a:t>
+            </a:r>
+            <a:r>
+              <a:rPr lang="en-US" sz="1100" smtClean="0">
+                <a:latin typeface="Consolas" panose="020B0609020204030204" pitchFamily="49" charset="0"/>
+              </a:rPr>
+              <a:t>hgt</a:t>
+            </a:r>
+            <a:r>
+              <a:rPr lang="en-US" sz="1100" smtClean="0">
+                <a:latin typeface="Consolas" panose="020B0609020204030204" pitchFamily="49" charset="0"/>
+              </a:rPr>
+              <a:t>)) </a:t>
+            </a:r>
+            <a:r>
+              <a:rPr lang="en-US" sz="1100" dirty="0">
+                <a:latin typeface="Consolas" panose="020B0609020204030204" pitchFamily="49" charset="0"/>
+              </a:rPr>
+              <a:t>+</a:t>
+            </a:r>
+          </a:p>
+          <a:p>
+            <a:r>
+              <a:rPr lang="en-US" sz="1100" i="1" dirty="0">
+                <a:latin typeface="Consolas" panose="020B0609020204030204" pitchFamily="49" charset="0"/>
+              </a:rPr>
+              <a:t>	</a:t>
+            </a:r>
+            <a:r>
+              <a:rPr lang="en-US" sz="1100" i="1" dirty="0" err="1">
+                <a:latin typeface="Consolas" panose="020B0609020204030204" pitchFamily="49" charset="0"/>
+              </a:rPr>
+              <a:t>geom_point</a:t>
+            </a:r>
+            <a:r>
+              <a:rPr lang="en-US" sz="1100" dirty="0">
+                <a:latin typeface="Consolas" panose="020B0609020204030204" pitchFamily="49" charset="0"/>
+              </a:rPr>
+              <a:t>()</a:t>
+            </a:r>
+            <a:r>
+              <a:rPr lang="en-US" sz="1100" i="1" dirty="0">
+                <a:latin typeface="Consolas" panose="020B0609020204030204" pitchFamily="49" charset="0"/>
+              </a:rPr>
+              <a:t> </a:t>
+            </a:r>
+            <a:r>
+              <a:rPr lang="en-US" sz="1100" dirty="0">
+                <a:latin typeface="Consolas" panose="020B0609020204030204" pitchFamily="49" charset="0"/>
+              </a:rPr>
+              <a:t>+</a:t>
+            </a:r>
+          </a:p>
+          <a:p>
+            <a:r>
+              <a:rPr lang="en-US" sz="1100" i="1">
+                <a:latin typeface="Consolas" panose="020B0609020204030204" pitchFamily="49" charset="0"/>
+                <a:sym typeface="Wingdings" panose="05000000000000000000" pitchFamily="2" charset="2"/>
+              </a:rPr>
+              <a:t>	</a:t>
+            </a:r>
+            <a:r>
+              <a:rPr lang="en-US" sz="1100" i="1" smtClean="0">
+                <a:latin typeface="Consolas" panose="020B0609020204030204" pitchFamily="49" charset="0"/>
+                <a:sym typeface="Wingdings" panose="05000000000000000000" pitchFamily="2" charset="2"/>
+              </a:rPr>
+              <a:t>geom_smooth</a:t>
+            </a:r>
+            <a:r>
+              <a:rPr lang="en-US" sz="1100" smtClean="0">
+                <a:latin typeface="Consolas" panose="020B0609020204030204" pitchFamily="49" charset="0"/>
+                <a:sym typeface="Wingdings" panose="05000000000000000000" pitchFamily="2" charset="2"/>
+              </a:rPr>
+              <a:t>(method = “lm”, se = FALSE)</a:t>
+            </a:r>
+            <a:endParaRPr lang="en-US" sz="1100" smtClean="0">
+              <a:latin typeface="Consolas" panose="020B0609020204030204" pitchFamily="49" charset="0"/>
             </a:endParaRPr>
-          </a:p>
-        </p:txBody>
-      </p:sp>
-      <p:sp>
-        <p:nvSpPr>
-          <p:cNvPr id="21" name="Rectangle 20"/>
-          <p:cNvSpPr/>
-          <p:nvPr/>
-        </p:nvSpPr>
-        <p:spPr>
-          <a:xfrm>
-            <a:off x="2188259" y="3271874"/>
-            <a:ext cx="280894" cy="225467"/>
-          </a:xfrm>
-          <a:prstGeom prst="rect">
-            <a:avLst/>
-          </a:prstGeom>
-          <a:noFill/>
-          <a:ln>
-            <a:noFill/>
-          </a:ln>
-        </p:spPr>
-        <p:style>
-          <a:lnRef idx="2">
-            <a:schemeClr val="accent1">
-              <a:shade val="50000"/>
-            </a:schemeClr>
-          </a:lnRef>
-          <a:fillRef idx="1">
-            <a:schemeClr val="accent1"/>
-          </a:fillRef>
-          <a:effectRef idx="0">
-            <a:schemeClr val="accent1"/>
-          </a:effectRef>
-          <a:fontRef idx="minor">
-            <a:schemeClr val="lt1"/>
-          </a:fontRef>
-        </p:style>
-        <p:txBody>
-          <a:bodyPr rtlCol="0" anchor="ctr"/>
-          <a:lstStyle/>
-          <a:p>
-            <a:pPr algn="ctr"/>
-            <a:endParaRPr lang="en-US"/>
-          </a:p>
-        </p:txBody>
-      </p:sp>
-      <p:pic>
-        <p:nvPicPr>
-          <p:cNvPr id="27" name="Picture 26"/>
-          <p:cNvPicPr>
-            <a:picLocks noChangeAspect="1"/>
-          </p:cNvPicPr>
-          <p:nvPr/>
-        </p:nvPicPr>
-        <p:blipFill>
-          <a:blip r:embed="rId4"/>
-          <a:stretch>
-            <a:fillRect/>
-          </a:stretch>
-        </p:blipFill>
-        <p:spPr>
-          <a:xfrm>
-            <a:off x="5909235" y="5431762"/>
-            <a:ext cx="3959514" cy="525053"/>
-          </a:xfrm>
-          <a:prstGeom prst="rect">
-            <a:avLst/>
-          </a:prstGeom>
-        </p:spPr>
-      </p:pic>
-      <p:cxnSp>
-        <p:nvCxnSpPr>
-          <p:cNvPr id="28" name="Elbow Connector 27"/>
-          <p:cNvCxnSpPr>
-            <a:stCxn id="30" idx="2"/>
-            <a:endCxn id="29" idx="0"/>
-          </p:cNvCxnSpPr>
-          <p:nvPr/>
-        </p:nvCxnSpPr>
-        <p:spPr>
-          <a:xfrm rot="16200000" flipH="1">
-            <a:off x="4668007" y="4633895"/>
-            <a:ext cx="985705" cy="1496752"/>
-          </a:xfrm>
-          <a:prstGeom prst="bentConnector3">
-            <a:avLst>
-              <a:gd name="adj1" fmla="val 100324"/>
-            </a:avLst>
-          </a:prstGeom>
-          <a:ln>
-            <a:tailEnd type="triangle"/>
-          </a:ln>
-        </p:spPr>
-        <p:style>
-          <a:lnRef idx="1">
-            <a:schemeClr val="accent1"/>
-          </a:lnRef>
-          <a:fillRef idx="0">
-            <a:schemeClr val="accent1"/>
-          </a:fillRef>
-          <a:effectRef idx="0">
-            <a:schemeClr val="accent1"/>
-          </a:effectRef>
-          <a:fontRef idx="minor">
-            <a:schemeClr val="tx1"/>
-          </a:fontRef>
-        </p:style>
-      </p:cxnSp>
-      <p:sp>
-        <p:nvSpPr>
-          <p:cNvPr id="29" name="Rectangle 28"/>
-          <p:cNvSpPr/>
-          <p:nvPr/>
-        </p:nvSpPr>
-        <p:spPr>
-          <a:xfrm>
-            <a:off x="5768788" y="5875124"/>
-            <a:ext cx="280894" cy="225467"/>
-          </a:xfrm>
-          <a:prstGeom prst="rect">
-            <a:avLst/>
-          </a:prstGeom>
-          <a:noFill/>
-          <a:ln>
-            <a:noFill/>
-          </a:ln>
-        </p:spPr>
-        <p:style>
-          <a:lnRef idx="2">
-            <a:schemeClr val="accent1">
-              <a:shade val="50000"/>
-            </a:schemeClr>
-          </a:lnRef>
-          <a:fillRef idx="1">
-            <a:schemeClr val="accent1"/>
-          </a:fillRef>
-          <a:effectRef idx="0">
-            <a:schemeClr val="accent1"/>
-          </a:effectRef>
-          <a:fontRef idx="minor">
-            <a:schemeClr val="lt1"/>
-          </a:fontRef>
-        </p:style>
-        <p:txBody>
-          <a:bodyPr rtlCol="0" anchor="ctr"/>
-          <a:lstStyle/>
-          <a:p>
-            <a:pPr algn="ctr"/>
-            <a:endParaRPr lang="en-US">
-              <a:solidFill>
-                <a:sysClr val="windowText" lastClr="000000"/>
-              </a:solidFill>
-            </a:endParaRPr>
-          </a:p>
-        </p:txBody>
-      </p:sp>
-      <p:sp>
-        <p:nvSpPr>
-          <p:cNvPr id="30" name="Rectangle 29"/>
-          <p:cNvSpPr/>
-          <p:nvPr/>
-        </p:nvSpPr>
-        <p:spPr>
-          <a:xfrm>
-            <a:off x="4272036" y="4663952"/>
-            <a:ext cx="280894" cy="225467"/>
-          </a:xfrm>
-          <a:prstGeom prst="rect">
-            <a:avLst/>
-          </a:prstGeom>
-          <a:noFill/>
-          <a:ln>
-            <a:noFill/>
-          </a:ln>
-        </p:spPr>
-        <p:style>
-          <a:lnRef idx="2">
-            <a:schemeClr val="accent1">
-              <a:shade val="50000"/>
-            </a:schemeClr>
-          </a:lnRef>
-          <a:fillRef idx="1">
-            <a:schemeClr val="accent1"/>
-          </a:fillRef>
-          <a:effectRef idx="0">
-            <a:schemeClr val="accent1"/>
-          </a:effectRef>
-          <a:fontRef idx="minor">
-            <a:schemeClr val="lt1"/>
-          </a:fontRef>
-        </p:style>
-        <p:txBody>
-          <a:bodyPr rtlCol="0" anchor="ctr"/>
-          <a:lstStyle/>
-          <a:p>
-            <a:pPr algn="ctr"/>
-            <a:endParaRPr lang="en-US"/>
-          </a:p>
-        </p:txBody>
-      </p:sp>
-      <p:sp>
-        <p:nvSpPr>
-          <p:cNvPr id="38" name="TextBox 37"/>
-          <p:cNvSpPr txBox="1"/>
-          <p:nvPr/>
-        </p:nvSpPr>
-        <p:spPr>
-          <a:xfrm>
-            <a:off x="6570712" y="5956815"/>
-            <a:ext cx="2636559" cy="253916"/>
-          </a:xfrm>
-          <a:prstGeom prst="rect">
-            <a:avLst/>
-          </a:prstGeom>
-          <a:noFill/>
-        </p:spPr>
-        <p:txBody>
-          <a:bodyPr wrap="square" rtlCol="0">
-            <a:spAutoFit/>
-          </a:bodyPr>
-          <a:lstStyle/>
-          <a:p>
-            <a:pPr algn="ctr"/>
-            <a:r>
-              <a:rPr lang="en-US" sz="1050">
-                <a:solidFill>
-                  <a:srgbClr val="C00000"/>
-                </a:solidFill>
-                <a:latin typeface="Arial" panose="020B0604020202020204" pitchFamily="34" charset="0"/>
-                <a:cs typeface="Arial" panose="020B0604020202020204" pitchFamily="34" charset="0"/>
-              </a:rPr>
-              <a:t>Class predictions from our Classifier</a:t>
-            </a:r>
-          </a:p>
-        </p:txBody>
-      </p:sp>
-      <p:sp>
-        <p:nvSpPr>
-          <p:cNvPr id="39" name="TextBox 38"/>
-          <p:cNvSpPr txBox="1"/>
-          <p:nvPr/>
-        </p:nvSpPr>
-        <p:spPr>
-          <a:xfrm>
-            <a:off x="7998053" y="3978221"/>
-            <a:ext cx="3201853" cy="577081"/>
-          </a:xfrm>
-          <a:prstGeom prst="rect">
-            <a:avLst/>
-          </a:prstGeom>
-          <a:noFill/>
-        </p:spPr>
-        <p:txBody>
-          <a:bodyPr wrap="square" rtlCol="0">
-            <a:spAutoFit/>
-          </a:bodyPr>
-          <a:lstStyle/>
-          <a:p>
-            <a:pPr algn="ctr"/>
-            <a:r>
-              <a:rPr lang="en-US" sz="1050">
-                <a:solidFill>
-                  <a:srgbClr val="0070C0"/>
-                </a:solidFill>
-                <a:latin typeface="Arial" panose="020B0604020202020204" pitchFamily="34" charset="0"/>
-                <a:cs typeface="Arial" panose="020B0604020202020204" pitchFamily="34" charset="0"/>
-              </a:rPr>
-              <a:t>In this example the training data (emails) is used to develop the Classifier. However this is not a valid approach in an actual classification MLP.</a:t>
-            </a:r>
           </a:p>
         </p:txBody>
       </p:sp>
